--- a/tutorial1/Git-Tutorial1-CCSCNE-2016.pptx
+++ b/tutorial1/Git-Tutorial1-CCSCNE-2016.pptx
@@ -108,6 +108,11 @@
       </a:defRPr>
     </a:lvl9pPr>
   </p:defaultTextStyle>
+  <p:extLst>
+    <p:ext uri="{EFAFB233-063F-42B5-8137-9DF3F51BA10A}">
+      <p15:sldGuideLst xmlns:p15="http://schemas.microsoft.com/office/powerpoint/2012/main"/>
+    </p:ext>
+  </p:extLst>
 </p:presentation>
 </file>
 
@@ -242,7 +247,7 @@
           <a:p>
             <a:fld id="{0D8639E2-D525-4C6F-BFC0-15D06606E14B}" type="datetimeFigureOut">
               <a:rPr lang="en-US" smtClean="0"/>
-              <a:t>4/21/2016</a:t>
+              <a:t>4/22/2016</a:t>
             </a:fld>
             <a:endParaRPr lang="en-US"/>
           </a:p>
@@ -412,7 +417,7 @@
           <a:p>
             <a:fld id="{0D8639E2-D525-4C6F-BFC0-15D06606E14B}" type="datetimeFigureOut">
               <a:rPr lang="en-US" smtClean="0"/>
-              <a:t>4/21/2016</a:t>
+              <a:t>4/22/2016</a:t>
             </a:fld>
             <a:endParaRPr lang="en-US"/>
           </a:p>
@@ -592,7 +597,7 @@
           <a:p>
             <a:fld id="{0D8639E2-D525-4C6F-BFC0-15D06606E14B}" type="datetimeFigureOut">
               <a:rPr lang="en-US" smtClean="0"/>
-              <a:t>4/21/2016</a:t>
+              <a:t>4/22/2016</a:t>
             </a:fld>
             <a:endParaRPr lang="en-US"/>
           </a:p>
@@ -762,7 +767,7 @@
           <a:p>
             <a:fld id="{0D8639E2-D525-4C6F-BFC0-15D06606E14B}" type="datetimeFigureOut">
               <a:rPr lang="en-US" smtClean="0"/>
-              <a:t>4/21/2016</a:t>
+              <a:t>4/22/2016</a:t>
             </a:fld>
             <a:endParaRPr lang="en-US"/>
           </a:p>
@@ -1008,7 +1013,7 @@
           <a:p>
             <a:fld id="{0D8639E2-D525-4C6F-BFC0-15D06606E14B}" type="datetimeFigureOut">
               <a:rPr lang="en-US" smtClean="0"/>
-              <a:t>4/21/2016</a:t>
+              <a:t>4/22/2016</a:t>
             </a:fld>
             <a:endParaRPr lang="en-US"/>
           </a:p>
@@ -1240,7 +1245,7 @@
           <a:p>
             <a:fld id="{0D8639E2-D525-4C6F-BFC0-15D06606E14B}" type="datetimeFigureOut">
               <a:rPr lang="en-US" smtClean="0"/>
-              <a:t>4/21/2016</a:t>
+              <a:t>4/22/2016</a:t>
             </a:fld>
             <a:endParaRPr lang="en-US"/>
           </a:p>
@@ -1607,7 +1612,7 @@
           <a:p>
             <a:fld id="{0D8639E2-D525-4C6F-BFC0-15D06606E14B}" type="datetimeFigureOut">
               <a:rPr lang="en-US" smtClean="0"/>
-              <a:t>4/21/2016</a:t>
+              <a:t>4/22/2016</a:t>
             </a:fld>
             <a:endParaRPr lang="en-US"/>
           </a:p>
@@ -1725,7 +1730,7 @@
           <a:p>
             <a:fld id="{0D8639E2-D525-4C6F-BFC0-15D06606E14B}" type="datetimeFigureOut">
               <a:rPr lang="en-US" smtClean="0"/>
-              <a:t>4/21/2016</a:t>
+              <a:t>4/22/2016</a:t>
             </a:fld>
             <a:endParaRPr lang="en-US"/>
           </a:p>
@@ -1820,7 +1825,7 @@
           <a:p>
             <a:fld id="{0D8639E2-D525-4C6F-BFC0-15D06606E14B}" type="datetimeFigureOut">
               <a:rPr lang="en-US" smtClean="0"/>
-              <a:t>4/21/2016</a:t>
+              <a:t>4/22/2016</a:t>
             </a:fld>
             <a:endParaRPr lang="en-US"/>
           </a:p>
@@ -2097,7 +2102,7 @@
           <a:p>
             <a:fld id="{0D8639E2-D525-4C6F-BFC0-15D06606E14B}" type="datetimeFigureOut">
               <a:rPr lang="en-US" smtClean="0"/>
-              <a:t>4/21/2016</a:t>
+              <a:t>4/22/2016</a:t>
             </a:fld>
             <a:endParaRPr lang="en-US"/>
           </a:p>
@@ -2350,7 +2355,7 @@
           <a:p>
             <a:fld id="{0D8639E2-D525-4C6F-BFC0-15D06606E14B}" type="datetimeFigureOut">
               <a:rPr lang="en-US" smtClean="0"/>
-              <a:t>4/21/2016</a:t>
+              <a:t>4/22/2016</a:t>
             </a:fld>
             <a:endParaRPr lang="en-US"/>
           </a:p>
@@ -2563,7 +2568,7 @@
           <a:p>
             <a:fld id="{0D8639E2-D525-4C6F-BFC0-15D06606E14B}" type="datetimeFigureOut">
               <a:rPr lang="en-US" smtClean="0"/>
-              <a:t>4/21/2016</a:t>
+              <a:t>4/22/2016</a:t>
             </a:fld>
             <a:endParaRPr lang="en-US"/>
           </a:p>
@@ -3028,6 +3033,13 @@
   <p:clrMapOvr>
     <a:masterClrMapping/>
   </p:clrMapOvr>
+  <p:timing>
+    <p:tnLst>
+      <p:par>
+        <p:cTn id="1" dur="indefinite" restart="never" nodeType="tmRoot"/>
+      </p:par>
+    </p:tnLst>
+  </p:timing>
 </p:sld>
 </file>
 
@@ -3115,6 +3127,13 @@
   <p:clrMapOvr>
     <a:masterClrMapping/>
   </p:clrMapOvr>
+  <p:timing>
+    <p:tnLst>
+      <p:par>
+        <p:cTn id="1" dur="indefinite" restart="never" nodeType="tmRoot"/>
+      </p:par>
+    </p:tnLst>
+  </p:timing>
 </p:sld>
 </file>
 
@@ -3217,6 +3236,13 @@
   <p:clrMapOvr>
     <a:masterClrMapping/>
   </p:clrMapOvr>
+  <p:timing>
+    <p:tnLst>
+      <p:par>
+        <p:cTn id="1" dur="indefinite" restart="never" nodeType="tmRoot"/>
+      </p:par>
+    </p:tnLst>
+  </p:timing>
 </p:sld>
 </file>
 
@@ -4144,6 +4170,13 @@
   <p:clrMapOvr>
     <a:masterClrMapping/>
   </p:clrMapOvr>
+  <p:timing>
+    <p:tnLst>
+      <p:par>
+        <p:cTn id="1" dur="indefinite" restart="never" nodeType="tmRoot"/>
+      </p:par>
+    </p:tnLst>
+  </p:timing>
 </p:sld>
 </file>
 
@@ -4310,6 +4343,13 @@
   <p:clrMapOvr>
     <a:masterClrMapping/>
   </p:clrMapOvr>
+  <p:timing>
+    <p:tnLst>
+      <p:par>
+        <p:cTn id="1" dur="indefinite" restart="never" nodeType="tmRoot"/>
+      </p:par>
+    </p:tnLst>
+  </p:timing>
 </p:sld>
 </file>
 

--- a/tutorial1/Git-Tutorial1-CCSCNE-2016.pptx
+++ b/tutorial1/Git-Tutorial1-CCSCNE-2016.pptx
@@ -8,6 +8,9 @@
   <p:notesMasterIdLst>
     <p:notesMasterId r:id="rId7"/>
   </p:notesMasterIdLst>
+  <p:handoutMasterIdLst>
+    <p:handoutMasterId r:id="rId8"/>
+  </p:handoutMasterIdLst>
   <p:sldIdLst>
     <p:sldId id="256" r:id="rId3"/>
     <p:sldId id="261" r:id="rId4"/>
@@ -113,10 +116,176 @@
   </p:defaultTextStyle>
   <p:extLst>
     <p:ext uri="{EFAFB233-063F-42B5-8137-9DF3F51BA10A}">
-      <p15:sldGuideLst xmlns:p15="http://schemas.microsoft.com/office/powerpoint/2012/main"/>
+      <p15:sldGuideLst xmlns:p15="http://schemas.microsoft.com/office/powerpoint/2012/main" xmlns=""/>
     </p:ext>
   </p:extLst>
 </p:presentation>
+</file>
+
+<file path=ppt/handoutMasters/handoutMaster1.xml><?xml version="1.0" encoding="utf-8"?>
+<p:handoutMaster xmlns:a="http://schemas.openxmlformats.org/drawingml/2006/main" xmlns:r="http://schemas.openxmlformats.org/officeDocument/2006/relationships" xmlns:p="http://schemas.openxmlformats.org/presentationml/2006/main">
+  <p:cSld>
+    <p:bg>
+      <p:bgRef idx="1001">
+        <a:schemeClr val="bg1"/>
+      </p:bgRef>
+    </p:bg>
+    <p:spTree>
+      <p:nvGrpSpPr>
+        <p:cNvPr id="1" name=""/>
+        <p:cNvGrpSpPr/>
+        <p:nvPr/>
+      </p:nvGrpSpPr>
+      <p:grpSpPr>
+        <a:xfrm>
+          <a:off x="0" y="0"/>
+          <a:ext cx="0" cy="0"/>
+          <a:chOff x="0" y="0"/>
+          <a:chExt cx="0" cy="0"/>
+        </a:xfrm>
+      </p:grpSpPr>
+      <p:sp>
+        <p:nvSpPr>
+          <p:cNvPr id="2" name="Header Placeholder 1"/>
+          <p:cNvSpPr>
+            <a:spLocks noGrp="1"/>
+          </p:cNvSpPr>
+          <p:nvPr>
+            <p:ph type="hdr" sz="quarter"/>
+          </p:nvPr>
+        </p:nvSpPr>
+        <p:spPr>
+          <a:xfrm>
+            <a:off x="0" y="0"/>
+            <a:ext cx="2971800" cy="457200"/>
+          </a:xfrm>
+          <a:prstGeom prst="rect">
+            <a:avLst/>
+          </a:prstGeom>
+        </p:spPr>
+        <p:txBody>
+          <a:bodyPr vert="horz" lIns="91440" tIns="45720" rIns="91440" bIns="45720" rtlCol="0"/>
+          <a:lstStyle>
+            <a:lvl1pPr algn="l">
+              <a:defRPr sz="1200"/>
+            </a:lvl1pPr>
+          </a:lstStyle>
+          <a:p>
+            <a:endParaRPr lang="en-US"/>
+          </a:p>
+        </p:txBody>
+      </p:sp>
+      <p:sp>
+        <p:nvSpPr>
+          <p:cNvPr id="3" name="Date Placeholder 2"/>
+          <p:cNvSpPr>
+            <a:spLocks noGrp="1"/>
+          </p:cNvSpPr>
+          <p:nvPr>
+            <p:ph type="dt" sz="quarter" idx="1"/>
+          </p:nvPr>
+        </p:nvSpPr>
+        <p:spPr>
+          <a:xfrm>
+            <a:off x="3884613" y="0"/>
+            <a:ext cx="2971800" cy="457200"/>
+          </a:xfrm>
+          <a:prstGeom prst="rect">
+            <a:avLst/>
+          </a:prstGeom>
+        </p:spPr>
+        <p:txBody>
+          <a:bodyPr vert="horz" lIns="91440" tIns="45720" rIns="91440" bIns="45720" rtlCol="0"/>
+          <a:lstStyle>
+            <a:lvl1pPr algn="r">
+              <a:defRPr sz="1200"/>
+            </a:lvl1pPr>
+          </a:lstStyle>
+          <a:p>
+            <a:fld id="{7B568FF7-AE58-144C-975C-698C517AF109}" type="datetimeFigureOut">
+              <a:rPr lang="en-US" smtClean="0"/>
+              <a:t>4/28/16</a:t>
+            </a:fld>
+            <a:endParaRPr lang="en-US"/>
+          </a:p>
+        </p:txBody>
+      </p:sp>
+      <p:sp>
+        <p:nvSpPr>
+          <p:cNvPr id="4" name="Footer Placeholder 3"/>
+          <p:cNvSpPr>
+            <a:spLocks noGrp="1"/>
+          </p:cNvSpPr>
+          <p:nvPr>
+            <p:ph type="ftr" sz="quarter" idx="2"/>
+          </p:nvPr>
+        </p:nvSpPr>
+        <p:spPr>
+          <a:xfrm>
+            <a:off x="0" y="8685213"/>
+            <a:ext cx="2971800" cy="457200"/>
+          </a:xfrm>
+          <a:prstGeom prst="rect">
+            <a:avLst/>
+          </a:prstGeom>
+        </p:spPr>
+        <p:txBody>
+          <a:bodyPr vert="horz" lIns="91440" tIns="45720" rIns="91440" bIns="45720" rtlCol="0" anchor="b"/>
+          <a:lstStyle>
+            <a:lvl1pPr algn="l">
+              <a:defRPr sz="1200"/>
+            </a:lvl1pPr>
+          </a:lstStyle>
+          <a:p>
+            <a:endParaRPr lang="en-US"/>
+          </a:p>
+        </p:txBody>
+      </p:sp>
+      <p:sp>
+        <p:nvSpPr>
+          <p:cNvPr id="5" name="Slide Number Placeholder 4"/>
+          <p:cNvSpPr>
+            <a:spLocks noGrp="1"/>
+          </p:cNvSpPr>
+          <p:nvPr>
+            <p:ph type="sldNum" sz="quarter" idx="3"/>
+          </p:nvPr>
+        </p:nvSpPr>
+        <p:spPr>
+          <a:xfrm>
+            <a:off x="3884613" y="8685213"/>
+            <a:ext cx="2971800" cy="457200"/>
+          </a:xfrm>
+          <a:prstGeom prst="rect">
+            <a:avLst/>
+          </a:prstGeom>
+        </p:spPr>
+        <p:txBody>
+          <a:bodyPr vert="horz" lIns="91440" tIns="45720" rIns="91440" bIns="45720" rtlCol="0" anchor="b"/>
+          <a:lstStyle>
+            <a:lvl1pPr algn="r">
+              <a:defRPr sz="1200"/>
+            </a:lvl1pPr>
+          </a:lstStyle>
+          <a:p>
+            <a:fld id="{361E87CC-006C-3946-810A-C671F563E925}" type="slidenum">
+              <a:rPr lang="en-US" smtClean="0"/>
+              <a:t>‹#›</a:t>
+            </a:fld>
+            <a:endParaRPr lang="en-US"/>
+          </a:p>
+        </p:txBody>
+      </p:sp>
+    </p:spTree>
+    <p:extLst>
+      <p:ext uri="{BB962C8B-B14F-4D97-AF65-F5344CB8AC3E}">
+        <p14:creationId xmlns:p14="http://schemas.microsoft.com/office/powerpoint/2010/main" val="3630973748"/>
+      </p:ext>
+    </p:extLst>
+  </p:cSld>
+  <p:clrMap bg1="lt1" tx1="dk1" bg2="lt2" tx2="dk2" accent1="accent1" accent2="accent2" accent3="accent3" accent4="accent4" accent5="accent5" accent6="accent6" hlink="hlink" folHlink="folHlink"/>
+  <p:hf hdr="0" ftr="0" dt="0"/>
+</p:handoutMaster>
 </file>
 
 <file path=ppt/notesMasters/notesMaster1.xml><?xml version="1.0" encoding="utf-8"?>
@@ -201,7 +370,7 @@
           <a:p>
             <a:fld id="{88ADF0C9-B6B3-4E32-BBBC-1AAF884BB291}" type="datetimeFigureOut">
               <a:rPr lang="en-US" smtClean="0"/>
-              <a:t>4/27/2016</a:t>
+              <a:t>4/28/16</a:t>
             </a:fld>
             <a:endParaRPr lang="en-US"/>
           </a:p>
@@ -374,6 +543,7 @@
     </p:extLst>
   </p:cSld>
   <p:clrMap bg1="lt1" tx1="dk1" bg2="lt2" tx2="dk2" accent1="accent1" accent2="accent2" accent3="accent3" accent4="accent4" accent5="accent5" accent6="accent6" hlink="hlink" folHlink="folHlink"/>
+  <p:hf hdr="0" ftr="0" dt="0"/>
   <p:notesStyle>
     <a:lvl1pPr marL="0" algn="l" defTabSz="914400" rtl="0" eaLnBrk="1" latinLnBrk="0" hangingPunct="1">
       <a:defRPr sz="1200" kern="1200">
@@ -777,11 +947,6 @@
           <a:bodyPr/>
           <a:lstStyle/>
           <a:p>
-            <a:fld id="{B61BEF0D-F0BB-DE4B-95CE-6DB70DBA9567}" type="datetimeFigureOut">
-              <a:rPr lang="en-US" smtClean="0"/>
-              <a:pPr/>
-              <a:t>4/27/2016</a:t>
-            </a:fld>
             <a:endParaRPr lang="en-US" dirty="0"/>
           </a:p>
         </p:txBody>
@@ -801,6 +966,10 @@
           <a:bodyPr/>
           <a:lstStyle/>
           <a:p>
+            <a:r>
+              <a:rPr lang="en-US" smtClean="0"/>
+              <a:t>https://github.com/StoneyJackson/git-ccscne-2016</a:t>
+            </a:r>
             <a:endParaRPr lang="en-US" dirty="0"/>
           </a:p>
         </p:txBody>
@@ -842,7 +1011,7 @@
   <p:timing>
     <p:tnLst>
       <p:par>
-        <p:cTn id="1" dur="indefinite" restart="never" nodeType="tmRoot"/>
+        <p:cTn xmlns:p14="http://schemas.microsoft.com/office/powerpoint/2010/main" id="1" dur="indefinite" restart="never" nodeType="tmRoot"/>
       </p:par>
     </p:tnLst>
   </p:timing>
@@ -1019,7 +1188,7 @@
   <p:timing>
     <p:tnLst>
       <p:par>
-        <p:cTn id="1" dur="indefinite" restart="never" nodeType="tmRoot"/>
+        <p:cTn xmlns:p14="http://schemas.microsoft.com/office/powerpoint/2010/main" id="1" dur="indefinite" restart="never" nodeType="tmRoot"/>
       </p:par>
     </p:tnLst>
   </p:timing>
@@ -1206,7 +1375,7 @@
   <p:timing>
     <p:tnLst>
       <p:par>
-        <p:cTn id="1" dur="indefinite" restart="never" nodeType="tmRoot"/>
+        <p:cTn xmlns:p14="http://schemas.microsoft.com/office/powerpoint/2010/main" id="1" dur="indefinite" restart="never" nodeType="tmRoot"/>
       </p:par>
     </p:tnLst>
   </p:timing>
@@ -1407,11 +1576,6 @@
             </a:lvl1pPr>
           </a:lstStyle>
           <a:p>
-            <a:fld id="{B61BEF0D-F0BB-DE4B-95CE-6DB70DBA9567}" type="datetimeFigureOut">
-              <a:rPr lang="en-US" smtClean="0"/>
-              <a:pPr/>
-              <a:t>4/27/2016</a:t>
-            </a:fld>
             <a:endParaRPr lang="en-US" dirty="0"/>
           </a:p>
         </p:txBody>
@@ -1439,6 +1603,10 @@
             </a:lvl1pPr>
           </a:lstStyle>
           <a:p>
+            <a:r>
+              <a:rPr lang="en-US" smtClean="0"/>
+              <a:t>https://github.com/StoneyJackson/git-ccscne-2016</a:t>
+            </a:r>
             <a:endParaRPr lang="en-US" dirty="0"/>
           </a:p>
         </p:txBody>
@@ -1523,7 +1691,7 @@
   <p:timing>
     <p:tnLst>
       <p:par>
-        <p:cTn id="1" dur="indefinite" restart="never" nodeType="tmRoot"/>
+        <p:cTn xmlns:p14="http://schemas.microsoft.com/office/powerpoint/2010/main" id="1" dur="indefinite" restart="never" nodeType="tmRoot"/>
       </p:par>
     </p:tnLst>
   </p:timing>
@@ -1659,11 +1827,6 @@
           <a:bodyPr/>
           <a:lstStyle/>
           <a:p>
-            <a:fld id="{B61BEF0D-F0BB-DE4B-95CE-6DB70DBA9567}" type="datetimeFigureOut">
-              <a:rPr lang="en-US" smtClean="0"/>
-              <a:pPr/>
-              <a:t>4/27/2016</a:t>
-            </a:fld>
             <a:endParaRPr lang="en-US" dirty="0"/>
           </a:p>
         </p:txBody>
@@ -1683,6 +1846,10 @@
           <a:bodyPr/>
           <a:lstStyle/>
           <a:p>
+            <a:r>
+              <a:rPr lang="en-US" smtClean="0"/>
+              <a:t>https://github.com/StoneyJackson/git-ccscne-2016</a:t>
+            </a:r>
             <a:endParaRPr lang="en-US" dirty="0"/>
           </a:p>
         </p:txBody>
@@ -3122,7 +3289,7 @@
   <p:timing>
     <p:tnLst>
       <p:par>
-        <p:cTn id="1" dur="indefinite" restart="never" nodeType="tmRoot"/>
+        <p:cTn xmlns:p14="http://schemas.microsoft.com/office/powerpoint/2010/main" id="1" dur="indefinite" restart="never" nodeType="tmRoot"/>
       </p:par>
     </p:tnLst>
   </p:timing>
@@ -4260,7 +4427,7 @@
   <p:timing>
     <p:tnLst>
       <p:par>
-        <p:cTn id="1" dur="indefinite" restart="never" nodeType="tmRoot"/>
+        <p:cTn xmlns:p14="http://schemas.microsoft.com/office/powerpoint/2010/main" id="1" dur="indefinite" restart="never" nodeType="tmRoot"/>
       </p:par>
     </p:tnLst>
   </p:timing>
@@ -4499,7 +4666,7 @@
   <p:timing>
     <p:tnLst>
       <p:par>
-        <p:cTn id="1" dur="indefinite" restart="never" nodeType="tmRoot"/>
+        <p:cTn xmlns:p14="http://schemas.microsoft.com/office/powerpoint/2010/main" id="1" dur="indefinite" restart="never" nodeType="tmRoot"/>
       </p:par>
     </p:tnLst>
   </p:timing>
@@ -4876,7 +5043,7 @@
   <p:timing>
     <p:tnLst>
       <p:par>
-        <p:cTn id="1" dur="indefinite" restart="never" nodeType="tmRoot"/>
+        <p:cTn xmlns:p14="http://schemas.microsoft.com/office/powerpoint/2010/main" id="1" dur="indefinite" restart="never" nodeType="tmRoot"/>
       </p:par>
     </p:tnLst>
   </p:timing>
@@ -5001,7 +5168,7 @@
   <p:timing>
     <p:tnLst>
       <p:par>
-        <p:cTn id="1" dur="indefinite" restart="never" nodeType="tmRoot"/>
+        <p:cTn xmlns:p14="http://schemas.microsoft.com/office/powerpoint/2010/main" id="1" dur="indefinite" restart="never" nodeType="tmRoot"/>
       </p:par>
     </p:tnLst>
   </p:timing>
@@ -5103,7 +5270,7 @@
   <p:timing>
     <p:tnLst>
       <p:par>
-        <p:cTn id="1" dur="indefinite" restart="never" nodeType="tmRoot"/>
+        <p:cTn xmlns:p14="http://schemas.microsoft.com/office/powerpoint/2010/main" id="1" dur="indefinite" restart="never" nodeType="tmRoot"/>
       </p:par>
     </p:tnLst>
   </p:timing>
@@ -5394,7 +5561,7 @@
   <p:timing>
     <p:tnLst>
       <p:par>
-        <p:cTn id="1" dur="indefinite" restart="never" nodeType="tmRoot"/>
+        <p:cTn xmlns:p14="http://schemas.microsoft.com/office/powerpoint/2010/main" id="1" dur="indefinite" restart="never" nodeType="tmRoot"/>
       </p:par>
     </p:tnLst>
   </p:timing>
@@ -5665,7 +5832,7 @@
   <p:timing>
     <p:tnLst>
       <p:par>
-        <p:cTn id="1" dur="indefinite" restart="never" nodeType="tmRoot"/>
+        <p:cTn xmlns:p14="http://schemas.microsoft.com/office/powerpoint/2010/main" id="1" dur="indefinite" restart="never" nodeType="tmRoot"/>
       </p:par>
     </p:tnLst>
   </p:timing>
@@ -5850,7 +6017,7 @@
           <a:bodyPr vert="horz" lIns="91440" tIns="45720" rIns="91440" bIns="45720" rtlCol="0" anchor="ctr"/>
           <a:lstStyle>
             <a:lvl1pPr algn="ctr">
-              <a:defRPr sz="1100">
+              <a:defRPr sz="1400">
                 <a:solidFill>
                   <a:schemeClr val="tx1">
                     <a:lumMod val="65000"/>
@@ -5865,7 +6032,7 @@
               <a:rPr lang="en-US" smtClean="0"/>
               <a:t>https://github.com/StoneyJackson/git-ccscne-2016</a:t>
             </a:r>
-            <a:endParaRPr lang="en-US"/>
+            <a:endParaRPr lang="en-US" dirty="0"/>
           </a:p>
         </p:txBody>
       </p:sp>
@@ -5912,28 +6079,22 @@
       </p:sp>
       <p:pic>
         <p:nvPicPr>
-          <p:cNvPr id="7" name="Picture 6"/>
+          <p:cNvPr id="10" name="Picture 9"/>
           <p:cNvPicPr>
             <a:picLocks noChangeAspect="1"/>
           </p:cNvPicPr>
           <p:nvPr userDrawn="1"/>
         </p:nvPicPr>
         <p:blipFill>
-          <a:blip r:embed="rId14">
-            <a:extLst>
-              <a:ext uri="{28A0092B-C50C-407E-A947-70E740481C1C}">
-                <a14:useLocalDpi xmlns:a14="http://schemas.microsoft.com/office/drawing/2010/main" val="0"/>
-              </a:ext>
-            </a:extLst>
-          </a:blip>
+          <a:blip r:embed="rId14"/>
           <a:stretch>
             <a:fillRect/>
           </a:stretch>
         </p:blipFill>
         <p:spPr>
           <a:xfrm>
-            <a:off x="11353800" y="6538912"/>
-            <a:ext cx="838200" cy="295275"/>
+            <a:off x="11190940" y="6505354"/>
+            <a:ext cx="1001060" cy="352646"/>
           </a:xfrm>
           <a:prstGeom prst="rect">
             <a:avLst/>
@@ -5965,11 +6126,11 @@
   <p:timing>
     <p:tnLst>
       <p:par>
-        <p:cTn id="1" dur="indefinite" restart="never" nodeType="tmRoot"/>
+        <p:cTn xmlns:p14="http://schemas.microsoft.com/office/powerpoint/2010/main" id="1" dur="indefinite" restart="never" nodeType="tmRoot"/>
       </p:par>
     </p:tnLst>
   </p:timing>
-  <p:hf sldNum="0" hdr="0" ftr="0" dt="0"/>
+  <p:hf sldNum="0" hdr="0" dt="0"/>
   <p:txStyles>
     <p:titleStyle>
       <a:lvl1pPr algn="l" defTabSz="914400" rtl="0" eaLnBrk="1" latinLnBrk="0" hangingPunct="1">
@@ -6418,7 +6579,7 @@
           <a:bodyPr vert="horz" lIns="91440" tIns="45720" rIns="91440" bIns="45720" rtlCol="0" anchor="ctr"/>
           <a:lstStyle>
             <a:lvl1pPr algn="ctr">
-              <a:defRPr sz="1200">
+              <a:defRPr sz="1400">
                 <a:solidFill>
                   <a:schemeClr val="tx1">
                     <a:tint val="75000"/>
@@ -6432,7 +6593,7 @@
               <a:rPr lang="en-US" smtClean="0"/>
               <a:t>https://github.com/StoneyJackson/git-ccscne-2016</a:t>
             </a:r>
-            <a:endParaRPr lang="en-US"/>
+            <a:endParaRPr lang="en-US" dirty="0"/>
           </a:p>
         </p:txBody>
       </p:sp>
@@ -6479,28 +6640,22 @@
       </p:sp>
       <p:pic>
         <p:nvPicPr>
-          <p:cNvPr id="7" name="Picture 6"/>
+          <p:cNvPr id="11" name="Picture 10"/>
           <p:cNvPicPr>
             <a:picLocks noChangeAspect="1"/>
           </p:cNvPicPr>
           <p:nvPr userDrawn="1"/>
         </p:nvPicPr>
         <p:blipFill>
-          <a:blip r:embed="rId13">
-            <a:extLst>
-              <a:ext uri="{28A0092B-C50C-407E-A947-70E740481C1C}">
-                <a14:useLocalDpi xmlns:a14="http://schemas.microsoft.com/office/drawing/2010/main" val="0"/>
-              </a:ext>
-            </a:extLst>
-          </a:blip>
+          <a:blip r:embed="rId13"/>
           <a:stretch>
             <a:fillRect/>
           </a:stretch>
         </p:blipFill>
         <p:spPr>
           <a:xfrm>
-            <a:off x="11353800" y="6538912"/>
-            <a:ext cx="838200" cy="295275"/>
+            <a:off x="11190940" y="6505354"/>
+            <a:ext cx="1001060" cy="352646"/>
           </a:xfrm>
           <a:prstGeom prst="rect">
             <a:avLst/>
@@ -6528,7 +6683,7 @@
     <p:sldLayoutId id="2147483844" r:id="rId10"/>
     <p:sldLayoutId id="2147483845" r:id="rId11"/>
   </p:sldLayoutIdLst>
-  <p:hf sldNum="0" hdr="0" ftr="0" dt="0"/>
+  <p:hf sldNum="0" hdr="0" dt="0"/>
   <p:txStyles>
     <p:titleStyle>
       <a:lvl1pPr algn="l" defTabSz="914400" rtl="0" eaLnBrk="1" latinLnBrk="0" hangingPunct="1">
@@ -6888,9 +7043,47 @@
               <a:rPr lang="en-US" sz="7300" dirty="0" smtClean="0"/>
               <a:t>Stoney Jackson</a:t>
             </a:r>
-            <a:endParaRPr lang="en-US" sz="7300" dirty="0" smtClean="0"/>
-          </a:p>
-          <a:p>
+          </a:p>
+          <a:p>
+            <a:endParaRPr lang="en-US" dirty="0"/>
+          </a:p>
+        </p:txBody>
+      </p:sp>
+      <p:sp>
+        <p:nvSpPr>
+          <p:cNvPr id="5" name="Footer Placeholder 4"/>
+          <p:cNvSpPr>
+            <a:spLocks noGrp="1"/>
+          </p:cNvSpPr>
+          <p:nvPr>
+            <p:ph type="ftr" sz="quarter" idx="11"/>
+          </p:nvPr>
+        </p:nvSpPr>
+        <p:spPr/>
+        <p:txBody>
+          <a:bodyPr/>
+          <a:lstStyle/>
+          <a:p>
+            <a:r>
+              <a:rPr lang="en-US" dirty="0" smtClean="0"/>
+              <a:t>https://</a:t>
+            </a:r>
+            <a:r>
+              <a:rPr lang="en-US" dirty="0" err="1" smtClean="0"/>
+              <a:t>github.com</a:t>
+            </a:r>
+            <a:r>
+              <a:rPr lang="en-US" dirty="0" smtClean="0"/>
+              <a:t>/</a:t>
+            </a:r>
+            <a:r>
+              <a:rPr lang="en-US" dirty="0" err="1" smtClean="0"/>
+              <a:t>StoneyJackson</a:t>
+            </a:r>
+            <a:r>
+              <a:rPr lang="en-US" dirty="0" smtClean="0"/>
+              <a:t>/git-ccscne-2016</a:t>
+            </a:r>
             <a:endParaRPr lang="en-US" dirty="0"/>
           </a:p>
         </p:txBody>
@@ -6908,7 +7101,7 @@
   <p:timing>
     <p:tnLst>
       <p:par>
-        <p:cTn id="1" dur="indefinite" restart="never" nodeType="tmRoot"/>
+        <p:cTn xmlns:p14="http://schemas.microsoft.com/office/powerpoint/2010/main" id="1" dur="indefinite" restart="never" nodeType="tmRoot"/>
       </p:par>
     </p:tnLst>
   </p:timing>
@@ -6976,9 +7169,10 @@
           <a:lstStyle/>
           <a:p>
             <a:r>
-              <a:rPr lang="en-US" dirty="0"/>
+              <a:rPr lang="en-US" dirty="0" smtClean="0"/>
               <a:t>Acknowledgement</a:t>
             </a:r>
+            <a:endParaRPr lang="en-US" dirty="0"/>
           </a:p>
           <a:p>
             <a:pPr lvl="1"/>
@@ -6988,24 +7182,24 @@
             </a:r>
             <a:r>
               <a:rPr lang="en-US" sz="1800" dirty="0"/>
-              <a:t>DUE- </a:t>
+              <a:t>DUE-1225708, DUE-1225738, DUE-1225688, DUE-1525039 DUE-1524898, and DUE-1524877</a:t>
+            </a:r>
+            <a:r>
+              <a:rPr lang="en-US" sz="1800" dirty="0" smtClean="0"/>
+              <a:t>. </a:t>
             </a:r>
             <a:r>
               <a:rPr lang="en-US" sz="1800" dirty="0"/>
-              <a:t>1225738, </a:t>
-            </a:r>
-            <a:r>
-              <a:rPr lang="en-US" sz="1800" dirty="0"/>
-              <a:t>1225688, and </a:t>
-            </a:r>
-            <a:r>
-              <a:rPr lang="en-US" sz="1800" dirty="0"/>
-              <a:t>1225708. Any opinions, findings and conclusions or recommendations expressed in this material are those of the author(s) and do not necessarily reflect the views of the National Science Foundation (NSF</a:t>
-            </a:r>
-            <a:r>
-              <a:rPr lang="en-US" sz="1800" dirty="0"/>
+              <a:t>Any opinions, findings and conclusions or recommendations expressed in this material are those of the author(s) and do not necessarily reflect the views of the National Science Foundation (NSF</a:t>
+            </a:r>
+            <a:r>
+              <a:rPr lang="en-US" sz="1800" dirty="0" smtClean="0"/>
               <a:t>)</a:t>
             </a:r>
+          </a:p>
+          <a:p>
+            <a:pPr lvl="1"/>
+            <a:endParaRPr lang="en-US" sz="1800" dirty="0" smtClean="0"/>
           </a:p>
           <a:p>
             <a:r>
@@ -7171,6 +7365,29 @@
           </a:prstGeom>
         </p:spPr>
       </p:pic>
+      <p:sp>
+        <p:nvSpPr>
+          <p:cNvPr id="4" name="Footer Placeholder 3"/>
+          <p:cNvSpPr>
+            <a:spLocks noGrp="1"/>
+          </p:cNvSpPr>
+          <p:nvPr>
+            <p:ph type="ftr" sz="quarter" idx="11"/>
+          </p:nvPr>
+        </p:nvSpPr>
+        <p:spPr/>
+        <p:txBody>
+          <a:bodyPr/>
+          <a:lstStyle/>
+          <a:p>
+            <a:r>
+              <a:rPr lang="en-US" smtClean="0"/>
+              <a:t>https://github.com/StoneyJackson/git-ccscne-2016</a:t>
+            </a:r>
+            <a:endParaRPr lang="en-US"/>
+          </a:p>
+        </p:txBody>
+      </p:sp>
     </p:spTree>
     <p:extLst>
       <p:ext uri="{BB962C8B-B14F-4D97-AF65-F5344CB8AC3E}">
@@ -7184,7 +7401,7 @@
   <p:timing>
     <p:tnLst>
       <p:par>
-        <p:cTn id="1" dur="indefinite" restart="never" nodeType="tmRoot"/>
+        <p:cTn xmlns:p14="http://schemas.microsoft.com/office/powerpoint/2010/main" id="1" dur="indefinite" restart="never" nodeType="tmRoot"/>
       </p:par>
     </p:tnLst>
   </p:timing>
@@ -7265,6 +7482,29 @@
           </a:prstGeom>
         </p:spPr>
       </p:pic>
+      <p:sp>
+        <p:nvSpPr>
+          <p:cNvPr id="3" name="Footer Placeholder 2"/>
+          <p:cNvSpPr>
+            <a:spLocks noGrp="1"/>
+          </p:cNvSpPr>
+          <p:nvPr>
+            <p:ph type="ftr" sz="quarter" idx="11"/>
+          </p:nvPr>
+        </p:nvSpPr>
+        <p:spPr/>
+        <p:txBody>
+          <a:bodyPr/>
+          <a:lstStyle/>
+          <a:p>
+            <a:r>
+              <a:rPr lang="en-US" smtClean="0"/>
+              <a:t>https://github.com/StoneyJackson/git-ccscne-2016</a:t>
+            </a:r>
+            <a:endParaRPr lang="en-US"/>
+          </a:p>
+        </p:txBody>
+      </p:sp>
     </p:spTree>
     <p:extLst>
       <p:ext uri="{BB962C8B-B14F-4D97-AF65-F5344CB8AC3E}">
@@ -7278,7 +7518,7 @@
   <p:timing>
     <p:tnLst>
       <p:par>
-        <p:cTn id="1" dur="indefinite" restart="never" nodeType="tmRoot"/>
+        <p:cTn xmlns:p14="http://schemas.microsoft.com/office/powerpoint/2010/main" id="1" dur="indefinite" restart="never" nodeType="tmRoot"/>
       </p:par>
     </p:tnLst>
   </p:timing>
@@ -7374,6 +7614,29 @@
           </a:p>
         </p:txBody>
       </p:sp>
+      <p:sp>
+        <p:nvSpPr>
+          <p:cNvPr id="4" name="Footer Placeholder 3"/>
+          <p:cNvSpPr>
+            <a:spLocks noGrp="1"/>
+          </p:cNvSpPr>
+          <p:nvPr>
+            <p:ph type="ftr" sz="quarter" idx="11"/>
+          </p:nvPr>
+        </p:nvSpPr>
+        <p:spPr/>
+        <p:txBody>
+          <a:bodyPr/>
+          <a:lstStyle/>
+          <a:p>
+            <a:r>
+              <a:rPr lang="en-US" smtClean="0"/>
+              <a:t>https://github.com/StoneyJackson/git-ccscne-2016</a:t>
+            </a:r>
+            <a:endParaRPr lang="en-US"/>
+          </a:p>
+        </p:txBody>
+      </p:sp>
     </p:spTree>
     <p:extLst>
       <p:ext uri="{BB962C8B-B14F-4D97-AF65-F5344CB8AC3E}">
@@ -7387,7 +7650,7 @@
   <p:timing>
     <p:tnLst>
       <p:par>
-        <p:cTn id="1" dur="indefinite" restart="never" nodeType="tmRoot"/>
+        <p:cTn xmlns:p14="http://schemas.microsoft.com/office/powerpoint/2010/main" id="1" dur="indefinite" restart="never" nodeType="tmRoot"/>
       </p:par>
     </p:tnLst>
   </p:timing>
@@ -7690,7 +7953,7 @@
     </a:clrScheme>
     <a:fontScheme name="Office">
       <a:majorFont>
-        <a:latin typeface="Calibri Light" panose="020F0302020204030204"/>
+        <a:latin typeface="Calibri Light"/>
         <a:ea typeface=""/>
         <a:cs typeface=""/>
         <a:font script="Jpan" typeface="ＭＳ Ｐゴシック"/>
@@ -7725,7 +7988,7 @@
         <a:font script="Geor" typeface="Sylfaen"/>
       </a:majorFont>
       <a:minorFont>
-        <a:latin typeface="Calibri" panose="020F0502020204030204"/>
+        <a:latin typeface="Calibri"/>
         <a:ea typeface=""/>
         <a:cs typeface=""/>
         <a:font script="Jpan" typeface="ＭＳ Ｐゴシック"/>
@@ -7902,7 +8165,7 @@
   <a:extraClrSchemeLst/>
   <a:extLst>
     <a:ext uri="{05A4C25C-085E-4340-85A3-A5531E510DB2}">
-      <thm15:themeFamily xmlns:thm15="http://schemas.microsoft.com/office/thememl/2012/main" name="Office Theme" id="{62F939B6-93AF-4DB8-9C6B-D6C7DFDC589F}" vid="{4A3C46E8-61CC-4603-A589-7422A47A8E4A}"/>
+      <thm15:themeFamily xmlns:thm15="http://schemas.microsoft.com/office/thememl/2012/main" xmlns="" name="Office Theme" id="{62F939B6-93AF-4DB8-9C6B-D6C7DFDC589F}" vid="{4A3C46E8-61CC-4603-A589-7422A47A8E4A}"/>
     </a:ext>
   </a:extLst>
 </a:theme>
@@ -7951,7 +8214,7 @@
     </a:clrScheme>
     <a:fontScheme name="Office">
       <a:majorFont>
-        <a:latin typeface="Calibri Light" panose="020F0302020204030204"/>
+        <a:latin typeface="Calibri Light"/>
         <a:ea typeface=""/>
         <a:cs typeface=""/>
         <a:font script="Jpan" typeface="ＭＳ Ｐゴシック"/>
@@ -7986,7 +8249,7 @@
         <a:font script="Geor" typeface="Sylfaen"/>
       </a:majorFont>
       <a:minorFont>
-        <a:latin typeface="Calibri" panose="020F0502020204030204"/>
+        <a:latin typeface="Calibri"/>
         <a:ea typeface=""/>
         <a:cs typeface=""/>
         <a:font script="Jpan" typeface="ＭＳ Ｐゴシック"/>
@@ -8163,8 +8426,328 @@
   <a:extraClrSchemeLst/>
   <a:extLst>
     <a:ext uri="{05A4C25C-085E-4340-85A3-A5531E510DB2}">
-      <thm15:themeFamily xmlns:thm15="http://schemas.microsoft.com/office/thememl/2012/main" name="Office Theme" id="{62F939B6-93AF-4DB8-9C6B-D6C7DFDC589F}" vid="{4A3C46E8-61CC-4603-A589-7422A47A8E4A}"/>
+      <thm15:themeFamily xmlns:thm15="http://schemas.microsoft.com/office/thememl/2012/main" xmlns="" name="Office Theme" id="{62F939B6-93AF-4DB8-9C6B-D6C7DFDC589F}" vid="{4A3C46E8-61CC-4603-A589-7422A47A8E4A}"/>
     </a:ext>
   </a:extLst>
 </a:theme>
+</file>
+
+<file path=ppt/theme/theme4.xml><?xml version="1.0" encoding="utf-8"?>
+<a:theme xmlns:a="http://schemas.openxmlformats.org/drawingml/2006/main" name="Office Theme">
+  <a:themeElements>
+    <a:clrScheme name="Office">
+      <a:dk1>
+        <a:sysClr val="windowText" lastClr="000000"/>
+      </a:dk1>
+      <a:lt1>
+        <a:sysClr val="window" lastClr="FFFFFF"/>
+      </a:lt1>
+      <a:dk2>
+        <a:srgbClr val="1F497D"/>
+      </a:dk2>
+      <a:lt2>
+        <a:srgbClr val="EEECE1"/>
+      </a:lt2>
+      <a:accent1>
+        <a:srgbClr val="4F81BD"/>
+      </a:accent1>
+      <a:accent2>
+        <a:srgbClr val="C0504D"/>
+      </a:accent2>
+      <a:accent3>
+        <a:srgbClr val="9BBB59"/>
+      </a:accent3>
+      <a:accent4>
+        <a:srgbClr val="8064A2"/>
+      </a:accent4>
+      <a:accent5>
+        <a:srgbClr val="4BACC6"/>
+      </a:accent5>
+      <a:accent6>
+        <a:srgbClr val="F79646"/>
+      </a:accent6>
+      <a:hlink>
+        <a:srgbClr val="0000FF"/>
+      </a:hlink>
+      <a:folHlink>
+        <a:srgbClr val="800080"/>
+      </a:folHlink>
+    </a:clrScheme>
+    <a:fontScheme name="Office">
+      <a:majorFont>
+        <a:latin typeface="Calibri"/>
+        <a:ea typeface=""/>
+        <a:cs typeface=""/>
+        <a:font script="Jpan" typeface="ＭＳ Ｐゴシック"/>
+        <a:font script="Hang" typeface="맑은 고딕"/>
+        <a:font script="Hans" typeface="宋体"/>
+        <a:font script="Hant" typeface="新細明體"/>
+        <a:font script="Arab" typeface="Times New Roman"/>
+        <a:font script="Hebr" typeface="Times New Roman"/>
+        <a:font script="Thai" typeface="Angsana New"/>
+        <a:font script="Ethi" typeface="Nyala"/>
+        <a:font script="Beng" typeface="Vrinda"/>
+        <a:font script="Gujr" typeface="Shruti"/>
+        <a:font script="Khmr" typeface="MoolBoran"/>
+        <a:font script="Knda" typeface="Tunga"/>
+        <a:font script="Guru" typeface="Raavi"/>
+        <a:font script="Cans" typeface="Euphemia"/>
+        <a:font script="Cher" typeface="Plantagenet Cherokee"/>
+        <a:font script="Yiii" typeface="Microsoft Yi Baiti"/>
+        <a:font script="Tibt" typeface="Microsoft Himalaya"/>
+        <a:font script="Thaa" typeface="MV Boli"/>
+        <a:font script="Deva" typeface="Mangal"/>
+        <a:font script="Telu" typeface="Gautami"/>
+        <a:font script="Taml" typeface="Latha"/>
+        <a:font script="Syrc" typeface="Estrangelo Edessa"/>
+        <a:font script="Orya" typeface="Kalinga"/>
+        <a:font script="Mlym" typeface="Kartika"/>
+        <a:font script="Laoo" typeface="DokChampa"/>
+        <a:font script="Sinh" typeface="Iskoola Pota"/>
+        <a:font script="Mong" typeface="Mongolian Baiti"/>
+        <a:font script="Viet" typeface="Times New Roman"/>
+        <a:font script="Uigh" typeface="Microsoft Uighur"/>
+        <a:font script="Geor" typeface="Sylfaen"/>
+      </a:majorFont>
+      <a:minorFont>
+        <a:latin typeface="Calibri"/>
+        <a:ea typeface=""/>
+        <a:cs typeface=""/>
+        <a:font script="Jpan" typeface="ＭＳ Ｐゴシック"/>
+        <a:font script="Hang" typeface="맑은 고딕"/>
+        <a:font script="Hans" typeface="宋体"/>
+        <a:font script="Hant" typeface="新細明體"/>
+        <a:font script="Arab" typeface="Arial"/>
+        <a:font script="Hebr" typeface="Arial"/>
+        <a:font script="Thai" typeface="Cordia New"/>
+        <a:font script="Ethi" typeface="Nyala"/>
+        <a:font script="Beng" typeface="Vrinda"/>
+        <a:font script="Gujr" typeface="Shruti"/>
+        <a:font script="Khmr" typeface="DaunPenh"/>
+        <a:font script="Knda" typeface="Tunga"/>
+        <a:font script="Guru" typeface="Raavi"/>
+        <a:font script="Cans" typeface="Euphemia"/>
+        <a:font script="Cher" typeface="Plantagenet Cherokee"/>
+        <a:font script="Yiii" typeface="Microsoft Yi Baiti"/>
+        <a:font script="Tibt" typeface="Microsoft Himalaya"/>
+        <a:font script="Thaa" typeface="MV Boli"/>
+        <a:font script="Deva" typeface="Mangal"/>
+        <a:font script="Telu" typeface="Gautami"/>
+        <a:font script="Taml" typeface="Latha"/>
+        <a:font script="Syrc" typeface="Estrangelo Edessa"/>
+        <a:font script="Orya" typeface="Kalinga"/>
+        <a:font script="Mlym" typeface="Kartika"/>
+        <a:font script="Laoo" typeface="DokChampa"/>
+        <a:font script="Sinh" typeface="Iskoola Pota"/>
+        <a:font script="Mong" typeface="Mongolian Baiti"/>
+        <a:font script="Viet" typeface="Arial"/>
+        <a:font script="Uigh" typeface="Microsoft Uighur"/>
+        <a:font script="Geor" typeface="Sylfaen"/>
+      </a:minorFont>
+    </a:fontScheme>
+    <a:fmtScheme name="Office">
+      <a:fillStyleLst>
+        <a:solidFill>
+          <a:schemeClr val="phClr"/>
+        </a:solidFill>
+        <a:gradFill rotWithShape="1">
+          <a:gsLst>
+            <a:gs pos="0">
+              <a:schemeClr val="phClr">
+                <a:tint val="50000"/>
+                <a:satMod val="300000"/>
+              </a:schemeClr>
+            </a:gs>
+            <a:gs pos="35000">
+              <a:schemeClr val="phClr">
+                <a:tint val="37000"/>
+                <a:satMod val="300000"/>
+              </a:schemeClr>
+            </a:gs>
+            <a:gs pos="100000">
+              <a:schemeClr val="phClr">
+                <a:tint val="15000"/>
+                <a:satMod val="350000"/>
+              </a:schemeClr>
+            </a:gs>
+          </a:gsLst>
+          <a:lin ang="16200000" scaled="1"/>
+        </a:gradFill>
+        <a:gradFill rotWithShape="1">
+          <a:gsLst>
+            <a:gs pos="0">
+              <a:schemeClr val="phClr">
+                <a:tint val="100000"/>
+                <a:shade val="100000"/>
+                <a:satMod val="130000"/>
+              </a:schemeClr>
+            </a:gs>
+            <a:gs pos="100000">
+              <a:schemeClr val="phClr">
+                <a:tint val="50000"/>
+                <a:shade val="100000"/>
+                <a:satMod val="350000"/>
+              </a:schemeClr>
+            </a:gs>
+          </a:gsLst>
+          <a:lin ang="16200000" scaled="0"/>
+        </a:gradFill>
+      </a:fillStyleLst>
+      <a:lnStyleLst>
+        <a:ln w="9525" cap="flat" cmpd="sng" algn="ctr">
+          <a:solidFill>
+            <a:schemeClr val="phClr">
+              <a:shade val="95000"/>
+              <a:satMod val="105000"/>
+            </a:schemeClr>
+          </a:solidFill>
+          <a:prstDash val="solid"/>
+        </a:ln>
+        <a:ln w="25400" cap="flat" cmpd="sng" algn="ctr">
+          <a:solidFill>
+            <a:schemeClr val="phClr"/>
+          </a:solidFill>
+          <a:prstDash val="solid"/>
+        </a:ln>
+        <a:ln w="38100" cap="flat" cmpd="sng" algn="ctr">
+          <a:solidFill>
+            <a:schemeClr val="phClr"/>
+          </a:solidFill>
+          <a:prstDash val="solid"/>
+        </a:ln>
+      </a:lnStyleLst>
+      <a:effectStyleLst>
+        <a:effectStyle>
+          <a:effectLst>
+            <a:outerShdw blurRad="40000" dist="20000" dir="5400000" rotWithShape="0">
+              <a:srgbClr val="000000">
+                <a:alpha val="38000"/>
+              </a:srgbClr>
+            </a:outerShdw>
+          </a:effectLst>
+        </a:effectStyle>
+        <a:effectStyle>
+          <a:effectLst>
+            <a:outerShdw blurRad="40000" dist="23000" dir="5400000" rotWithShape="0">
+              <a:srgbClr val="000000">
+                <a:alpha val="35000"/>
+              </a:srgbClr>
+            </a:outerShdw>
+          </a:effectLst>
+        </a:effectStyle>
+        <a:effectStyle>
+          <a:effectLst>
+            <a:outerShdw blurRad="40000" dist="23000" dir="5400000" rotWithShape="0">
+              <a:srgbClr val="000000">
+                <a:alpha val="35000"/>
+              </a:srgbClr>
+            </a:outerShdw>
+          </a:effectLst>
+          <a:scene3d>
+            <a:camera prst="orthographicFront">
+              <a:rot lat="0" lon="0" rev="0"/>
+            </a:camera>
+            <a:lightRig rig="threePt" dir="t">
+              <a:rot lat="0" lon="0" rev="1200000"/>
+            </a:lightRig>
+          </a:scene3d>
+          <a:sp3d>
+            <a:bevelT w="63500" h="25400"/>
+          </a:sp3d>
+        </a:effectStyle>
+      </a:effectStyleLst>
+      <a:bgFillStyleLst>
+        <a:solidFill>
+          <a:schemeClr val="phClr"/>
+        </a:solidFill>
+        <a:gradFill rotWithShape="1">
+          <a:gsLst>
+            <a:gs pos="0">
+              <a:schemeClr val="phClr">
+                <a:tint val="40000"/>
+                <a:satMod val="350000"/>
+              </a:schemeClr>
+            </a:gs>
+            <a:gs pos="40000">
+              <a:schemeClr val="phClr">
+                <a:tint val="45000"/>
+                <a:shade val="99000"/>
+                <a:satMod val="350000"/>
+              </a:schemeClr>
+            </a:gs>
+            <a:gs pos="100000">
+              <a:schemeClr val="phClr">
+                <a:shade val="20000"/>
+                <a:satMod val="255000"/>
+              </a:schemeClr>
+            </a:gs>
+          </a:gsLst>
+          <a:path path="circle">
+            <a:fillToRect l="50000" t="-80000" r="50000" b="180000"/>
+          </a:path>
+        </a:gradFill>
+        <a:gradFill rotWithShape="1">
+          <a:gsLst>
+            <a:gs pos="0">
+              <a:schemeClr val="phClr">
+                <a:tint val="80000"/>
+                <a:satMod val="300000"/>
+              </a:schemeClr>
+            </a:gs>
+            <a:gs pos="100000">
+              <a:schemeClr val="phClr">
+                <a:shade val="30000"/>
+                <a:satMod val="200000"/>
+              </a:schemeClr>
+            </a:gs>
+          </a:gsLst>
+          <a:path path="circle">
+            <a:fillToRect l="50000" t="50000" r="50000" b="50000"/>
+          </a:path>
+        </a:gradFill>
+      </a:bgFillStyleLst>
+    </a:fmtScheme>
+  </a:themeElements>
+  <a:objectDefaults>
+    <a:spDef>
+      <a:spPr/>
+      <a:bodyPr/>
+      <a:lstStyle/>
+      <a:style>
+        <a:lnRef idx="1">
+          <a:schemeClr val="accent1"/>
+        </a:lnRef>
+        <a:fillRef idx="3">
+          <a:schemeClr val="accent1"/>
+        </a:fillRef>
+        <a:effectRef idx="2">
+          <a:schemeClr val="accent1"/>
+        </a:effectRef>
+        <a:fontRef idx="minor">
+          <a:schemeClr val="lt1"/>
+        </a:fontRef>
+      </a:style>
+    </a:spDef>
+    <a:lnDef>
+      <a:spPr/>
+      <a:bodyPr/>
+      <a:lstStyle/>
+      <a:style>
+        <a:lnRef idx="2">
+          <a:schemeClr val="accent1"/>
+        </a:lnRef>
+        <a:fillRef idx="0">
+          <a:schemeClr val="accent1"/>
+        </a:fillRef>
+        <a:effectRef idx="1">
+          <a:schemeClr val="accent1"/>
+        </a:effectRef>
+        <a:fontRef idx="minor">
+          <a:schemeClr val="tx1"/>
+        </a:fontRef>
+      </a:style>
+    </a:lnDef>
+  </a:objectDefaults>
+  <a:extraClrSchemeLst/>
+</a:theme>
 </file>
--- a/tutorial1/Git-Tutorial1-CCSCNE-2016.pptx
+++ b/tutorial1/Git-Tutorial1-CCSCNE-2016.pptx
@@ -116,7 +116,7 @@
   </p:defaultTextStyle>
   <p:extLst>
     <p:ext uri="{EFAFB233-063F-42B5-8137-9DF3F51BA10A}">
-      <p15:sldGuideLst xmlns:p15="http://schemas.microsoft.com/office/powerpoint/2012/main" xmlns=""/>
+      <p15:sldGuideLst xmlns="" xmlns:p15="http://schemas.microsoft.com/office/powerpoint/2012/main"/>
     </p:ext>
   </p:extLst>
 </p:presentation>
@@ -7178,11 +7178,7 @@
             <a:pPr lvl="1"/>
             <a:r>
               <a:rPr lang="en-US" sz="1800" dirty="0"/>
-              <a:t>This material is based on work supported by the National Science Foundation under Grants </a:t>
-            </a:r>
-            <a:r>
-              <a:rPr lang="en-US" sz="1800" dirty="0"/>
-              <a:t>DUE-1225708, DUE-1225738, DUE-1225688, DUE-1525039 DUE-1524898, and DUE-1524877</a:t>
+              <a:t>This material is based on work supported by the National Science Foundation under Grants DUE-1225708, DUE-1225738, DUE-1225688, DUE-1525039 DUE-1524898, and DUE-1524877</a:t>
             </a:r>
             <a:r>
               <a:rPr lang="en-US" sz="1800" dirty="0" smtClean="0"/>
@@ -7204,11 +7200,7 @@
           <a:p>
             <a:r>
               <a:rPr lang="en-US" dirty="0" smtClean="0"/>
-              <a:t>Copyright </a:t>
-            </a:r>
-            <a:r>
-              <a:rPr lang="en-US" dirty="0" smtClean="0"/>
-              <a:t>and Licensing</a:t>
+              <a:t>Copyright and Licensing</a:t>
             </a:r>
           </a:p>
           <a:p>
@@ -8165,7 +8157,7 @@
   <a:extraClrSchemeLst/>
   <a:extLst>
     <a:ext uri="{05A4C25C-085E-4340-85A3-A5531E510DB2}">
-      <thm15:themeFamily xmlns:thm15="http://schemas.microsoft.com/office/thememl/2012/main" xmlns="" name="Office Theme" id="{62F939B6-93AF-4DB8-9C6B-D6C7DFDC589F}" vid="{4A3C46E8-61CC-4603-A589-7422A47A8E4A}"/>
+      <thm15:themeFamily xmlns="" xmlns:thm15="http://schemas.microsoft.com/office/thememl/2012/main" name="Office Theme" id="{62F939B6-93AF-4DB8-9C6B-D6C7DFDC589F}" vid="{4A3C46E8-61CC-4603-A589-7422A47A8E4A}"/>
     </a:ext>
   </a:extLst>
 </a:theme>
@@ -8426,7 +8418,7 @@
   <a:extraClrSchemeLst/>
   <a:extLst>
     <a:ext uri="{05A4C25C-085E-4340-85A3-A5531E510DB2}">
-      <thm15:themeFamily xmlns:thm15="http://schemas.microsoft.com/office/thememl/2012/main" xmlns="" name="Office Theme" id="{62F939B6-93AF-4DB8-9C6B-D6C7DFDC589F}" vid="{4A3C46E8-61CC-4603-A589-7422A47A8E4A}"/>
+      <thm15:themeFamily xmlns="" xmlns:thm15="http://schemas.microsoft.com/office/thememl/2012/main" name="Office Theme" id="{62F939B6-93AF-4DB8-9C6B-D6C7DFDC589F}" vid="{4A3C46E8-61CC-4603-A589-7422A47A8E4A}"/>
     </a:ext>
   </a:extLst>
 </a:theme>

--- a/tutorial1/Git-Tutorial1-CCSCNE-2016.pptx
+++ b/tutorial1/Git-Tutorial1-CCSCNE-2016.pptx
@@ -3,16 +3,16 @@
 <p:presentation xmlns:a="http://schemas.openxmlformats.org/drawingml/2006/main" xmlns:r="http://schemas.openxmlformats.org/officeDocument/2006/relationships" xmlns:p="http://schemas.openxmlformats.org/presentationml/2006/main" saveSubsetFonts="1">
   <p:sldMasterIdLst>
     <p:sldMasterId id="2147483736" r:id="rId1"/>
-    <p:sldMasterId id="2147483834" r:id="rId2"/>
   </p:sldMasterIdLst>
   <p:notesMasterIdLst>
     <p:notesMasterId r:id="rId7"/>
   </p:notesMasterIdLst>
   <p:sldIdLst>
-    <p:sldId id="256" r:id="rId3"/>
-    <p:sldId id="261" r:id="rId4"/>
-    <p:sldId id="257" r:id="rId5"/>
-    <p:sldId id="258" r:id="rId6"/>
+    <p:sldId id="256" r:id="rId2"/>
+    <p:sldId id="261" r:id="rId3"/>
+    <p:sldId id="257" r:id="rId4"/>
+    <p:sldId id="258" r:id="rId5"/>
+    <p:sldId id="262" r:id="rId6"/>
   </p:sldIdLst>
   <p:sldSz cx="12192000" cy="6858000"/>
   <p:notesSz cx="6858000" cy="9144000"/>
@@ -777,10 +777,9 @@
           <a:bodyPr/>
           <a:lstStyle/>
           <a:p>
-            <a:fld id="{B61BEF0D-F0BB-DE4B-95CE-6DB70DBA9567}" type="datetimeFigureOut">
-              <a:rPr lang="en-US" smtClean="0"/>
-              <a:pPr/>
-              <a:t>4/27/2016</a:t>
+            <a:fld id="{5A7A7EBC-D663-4D79-9B0F-2025408D4697}" type="datetime1">
+              <a:rPr lang="en-US" smtClean="0"/>
+              <a:t>4/29/2016</a:t>
             </a:fld>
             <a:endParaRPr lang="en-US" dirty="0"/>
           </a:p>
@@ -801,6 +800,10 @@
           <a:bodyPr/>
           <a:lstStyle/>
           <a:p>
+            <a:r>
+              <a:rPr lang="en-US" smtClean="0"/>
+              <a:t>https://github.com/StoneyJackson/git-ccscne-2016</a:t>
+            </a:r>
             <a:endParaRPr lang="en-US" dirty="0"/>
           </a:p>
         </p:txBody>
@@ -956,6 +959,10 @@
           <a:bodyPr/>
           <a:lstStyle/>
           <a:p>
+            <a:fld id="{D0824CDC-EE23-4A97-ACDC-0EE137AAFE4E}" type="datetime1">
+              <a:rPr lang="en-US" smtClean="0"/>
+              <a:t>4/29/2016</a:t>
+            </a:fld>
             <a:endParaRPr lang="en-US"/>
           </a:p>
         </p:txBody>
@@ -1143,6 +1150,10 @@
           <a:bodyPr/>
           <a:lstStyle/>
           <a:p>
+            <a:fld id="{9D1A99A9-A915-432E-9DE7-54EABEE01F4A}" type="datetime1">
+              <a:rPr lang="en-US" smtClean="0"/>
+              <a:t>4/29/2016</a:t>
+            </a:fld>
             <a:endParaRPr lang="en-US"/>
           </a:p>
         </p:txBody>
@@ -1407,10 +1418,9 @@
             </a:lvl1pPr>
           </a:lstStyle>
           <a:p>
-            <a:fld id="{B61BEF0D-F0BB-DE4B-95CE-6DB70DBA9567}" type="datetimeFigureOut">
-              <a:rPr lang="en-US" smtClean="0"/>
-              <a:pPr/>
-              <a:t>4/27/2016</a:t>
+            <a:fld id="{5FF9D344-A4AA-4F4C-9245-6E8F2F53074A}" type="datetime1">
+              <a:rPr lang="en-US" smtClean="0"/>
+              <a:t>4/29/2016</a:t>
             </a:fld>
             <a:endParaRPr lang="en-US" dirty="0"/>
           </a:p>
@@ -1439,6 +1449,10 @@
             </a:lvl1pPr>
           </a:lstStyle>
           <a:p>
+            <a:r>
+              <a:rPr lang="en-US" smtClean="0"/>
+              <a:t>https://github.com/StoneyJackson/git-ccscne-2016</a:t>
+            </a:r>
             <a:endParaRPr lang="en-US" dirty="0"/>
           </a:p>
         </p:txBody>
@@ -1530,1428 +1544,6 @@
 </p:sldLayout>
 </file>
 
-<file path=ppt/slideLayouts/slideLayout13.xml><?xml version="1.0" encoding="utf-8"?>
-<p:sldLayout xmlns:a="http://schemas.openxmlformats.org/drawingml/2006/main" xmlns:r="http://schemas.openxmlformats.org/officeDocument/2006/relationships" xmlns:p="http://schemas.openxmlformats.org/presentationml/2006/main" type="title" preserve="1">
-  <p:cSld name="Title Slide">
-    <p:spTree>
-      <p:nvGrpSpPr>
-        <p:cNvPr id="1" name=""/>
-        <p:cNvGrpSpPr/>
-        <p:nvPr/>
-      </p:nvGrpSpPr>
-      <p:grpSpPr>
-        <a:xfrm>
-          <a:off x="0" y="0"/>
-          <a:ext cx="0" cy="0"/>
-          <a:chOff x="0" y="0"/>
-          <a:chExt cx="0" cy="0"/>
-        </a:xfrm>
-      </p:grpSpPr>
-      <p:sp>
-        <p:nvSpPr>
-          <p:cNvPr id="2" name="Title 1"/>
-          <p:cNvSpPr>
-            <a:spLocks noGrp="1"/>
-          </p:cNvSpPr>
-          <p:nvPr>
-            <p:ph type="ctrTitle"/>
-          </p:nvPr>
-        </p:nvSpPr>
-        <p:spPr>
-          <a:xfrm>
-            <a:off x="1524000" y="1122363"/>
-            <a:ext cx="9144000" cy="2387600"/>
-          </a:xfrm>
-        </p:spPr>
-        <p:txBody>
-          <a:bodyPr anchor="b"/>
-          <a:lstStyle>
-            <a:lvl1pPr algn="ctr">
-              <a:defRPr sz="6000"/>
-            </a:lvl1pPr>
-          </a:lstStyle>
-          <a:p>
-            <a:r>
-              <a:rPr lang="en-US" smtClean="0"/>
-              <a:t>Click to edit Master title style</a:t>
-            </a:r>
-            <a:endParaRPr lang="en-US"/>
-          </a:p>
-        </p:txBody>
-      </p:sp>
-      <p:sp>
-        <p:nvSpPr>
-          <p:cNvPr id="3" name="Subtitle 2"/>
-          <p:cNvSpPr>
-            <a:spLocks noGrp="1"/>
-          </p:cNvSpPr>
-          <p:nvPr>
-            <p:ph type="subTitle" idx="1"/>
-          </p:nvPr>
-        </p:nvSpPr>
-        <p:spPr>
-          <a:xfrm>
-            <a:off x="1524000" y="3602038"/>
-            <a:ext cx="9144000" cy="1655762"/>
-          </a:xfrm>
-        </p:spPr>
-        <p:txBody>
-          <a:bodyPr/>
-          <a:lstStyle>
-            <a:lvl1pPr marL="0" indent="0" algn="ctr">
-              <a:buNone/>
-              <a:defRPr sz="2400"/>
-            </a:lvl1pPr>
-            <a:lvl2pPr marL="457200" indent="0" algn="ctr">
-              <a:buNone/>
-              <a:defRPr sz="2000"/>
-            </a:lvl2pPr>
-            <a:lvl3pPr marL="914400" indent="0" algn="ctr">
-              <a:buNone/>
-              <a:defRPr sz="1800"/>
-            </a:lvl3pPr>
-            <a:lvl4pPr marL="1371600" indent="0" algn="ctr">
-              <a:buNone/>
-              <a:defRPr sz="1600"/>
-            </a:lvl4pPr>
-            <a:lvl5pPr marL="1828800" indent="0" algn="ctr">
-              <a:buNone/>
-              <a:defRPr sz="1600"/>
-            </a:lvl5pPr>
-            <a:lvl6pPr marL="2286000" indent="0" algn="ctr">
-              <a:buNone/>
-              <a:defRPr sz="1600"/>
-            </a:lvl6pPr>
-            <a:lvl7pPr marL="2743200" indent="0" algn="ctr">
-              <a:buNone/>
-              <a:defRPr sz="1600"/>
-            </a:lvl7pPr>
-            <a:lvl8pPr marL="3200400" indent="0" algn="ctr">
-              <a:buNone/>
-              <a:defRPr sz="1600"/>
-            </a:lvl8pPr>
-            <a:lvl9pPr marL="3657600" indent="0" algn="ctr">
-              <a:buNone/>
-              <a:defRPr sz="1600"/>
-            </a:lvl9pPr>
-          </a:lstStyle>
-          <a:p>
-            <a:r>
-              <a:rPr lang="en-US" smtClean="0"/>
-              <a:t>Click to edit Master subtitle style</a:t>
-            </a:r>
-            <a:endParaRPr lang="en-US"/>
-          </a:p>
-        </p:txBody>
-      </p:sp>
-      <p:sp>
-        <p:nvSpPr>
-          <p:cNvPr id="4" name="Date Placeholder 3"/>
-          <p:cNvSpPr>
-            <a:spLocks noGrp="1"/>
-          </p:cNvSpPr>
-          <p:nvPr>
-            <p:ph type="dt" sz="half" idx="10"/>
-          </p:nvPr>
-        </p:nvSpPr>
-        <p:spPr/>
-        <p:txBody>
-          <a:bodyPr/>
-          <a:lstStyle/>
-          <a:p>
-            <a:fld id="{B61BEF0D-F0BB-DE4B-95CE-6DB70DBA9567}" type="datetimeFigureOut">
-              <a:rPr lang="en-US" smtClean="0"/>
-              <a:pPr/>
-              <a:t>4/27/2016</a:t>
-            </a:fld>
-            <a:endParaRPr lang="en-US" dirty="0"/>
-          </a:p>
-        </p:txBody>
-      </p:sp>
-      <p:sp>
-        <p:nvSpPr>
-          <p:cNvPr id="5" name="Footer Placeholder 4"/>
-          <p:cNvSpPr>
-            <a:spLocks noGrp="1"/>
-          </p:cNvSpPr>
-          <p:nvPr>
-            <p:ph type="ftr" sz="quarter" idx="11"/>
-          </p:nvPr>
-        </p:nvSpPr>
-        <p:spPr/>
-        <p:txBody>
-          <a:bodyPr/>
-          <a:lstStyle/>
-          <a:p>
-            <a:endParaRPr lang="en-US" dirty="0"/>
-          </a:p>
-        </p:txBody>
-      </p:sp>
-      <p:sp>
-        <p:nvSpPr>
-          <p:cNvPr id="6" name="Slide Number Placeholder 5"/>
-          <p:cNvSpPr>
-            <a:spLocks noGrp="1"/>
-          </p:cNvSpPr>
-          <p:nvPr>
-            <p:ph type="sldNum" sz="quarter" idx="12"/>
-          </p:nvPr>
-        </p:nvSpPr>
-        <p:spPr/>
-        <p:txBody>
-          <a:bodyPr/>
-          <a:lstStyle/>
-          <a:p>
-            <a:fld id="{D57F1E4F-1CFF-5643-939E-217C01CDF565}" type="slidenum">
-              <a:rPr lang="en-US" smtClean="0"/>
-              <a:pPr/>
-              <a:t>‹#›</a:t>
-            </a:fld>
-            <a:endParaRPr lang="en-US" dirty="0"/>
-          </a:p>
-        </p:txBody>
-      </p:sp>
-    </p:spTree>
-    <p:extLst>
-      <p:ext uri="{BB962C8B-B14F-4D97-AF65-F5344CB8AC3E}">
-        <p14:creationId xmlns:p14="http://schemas.microsoft.com/office/powerpoint/2010/main" val="754157314"/>
-      </p:ext>
-    </p:extLst>
-  </p:cSld>
-  <p:clrMapOvr>
-    <a:masterClrMapping/>
-  </p:clrMapOvr>
-</p:sldLayout>
-</file>
-
-<file path=ppt/slideLayouts/slideLayout14.xml><?xml version="1.0" encoding="utf-8"?>
-<p:sldLayout xmlns:a="http://schemas.openxmlformats.org/drawingml/2006/main" xmlns:r="http://schemas.openxmlformats.org/officeDocument/2006/relationships" xmlns:p="http://schemas.openxmlformats.org/presentationml/2006/main" type="obj" preserve="1">
-  <p:cSld name="Title and Content">
-    <p:spTree>
-      <p:nvGrpSpPr>
-        <p:cNvPr id="1" name=""/>
-        <p:cNvGrpSpPr/>
-        <p:nvPr/>
-      </p:nvGrpSpPr>
-      <p:grpSpPr>
-        <a:xfrm>
-          <a:off x="0" y="0"/>
-          <a:ext cx="0" cy="0"/>
-          <a:chOff x="0" y="0"/>
-          <a:chExt cx="0" cy="0"/>
-        </a:xfrm>
-      </p:grpSpPr>
-      <p:sp>
-        <p:nvSpPr>
-          <p:cNvPr id="2" name="Title 1"/>
-          <p:cNvSpPr>
-            <a:spLocks noGrp="1"/>
-          </p:cNvSpPr>
-          <p:nvPr>
-            <p:ph type="title"/>
-          </p:nvPr>
-        </p:nvSpPr>
-        <p:spPr/>
-        <p:txBody>
-          <a:bodyPr/>
-          <a:lstStyle/>
-          <a:p>
-            <a:r>
-              <a:rPr lang="en-US" smtClean="0"/>
-              <a:t>Click to edit Master title style</a:t>
-            </a:r>
-            <a:endParaRPr lang="en-US"/>
-          </a:p>
-        </p:txBody>
-      </p:sp>
-      <p:sp>
-        <p:nvSpPr>
-          <p:cNvPr id="3" name="Content Placeholder 2"/>
-          <p:cNvSpPr>
-            <a:spLocks noGrp="1"/>
-          </p:cNvSpPr>
-          <p:nvPr>
-            <p:ph idx="1"/>
-          </p:nvPr>
-        </p:nvSpPr>
-        <p:spPr/>
-        <p:txBody>
-          <a:bodyPr/>
-          <a:lstStyle/>
-          <a:p>
-            <a:pPr lvl="0"/>
-            <a:r>
-              <a:rPr lang="en-US" smtClean="0"/>
-              <a:t>Click to edit Master text styles</a:t>
-            </a:r>
-          </a:p>
-          <a:p>
-            <a:pPr lvl="1"/>
-            <a:r>
-              <a:rPr lang="en-US" smtClean="0"/>
-              <a:t>Second level</a:t>
-            </a:r>
-          </a:p>
-          <a:p>
-            <a:pPr lvl="2"/>
-            <a:r>
-              <a:rPr lang="en-US" smtClean="0"/>
-              <a:t>Third level</a:t>
-            </a:r>
-          </a:p>
-          <a:p>
-            <a:pPr lvl="3"/>
-            <a:r>
-              <a:rPr lang="en-US" smtClean="0"/>
-              <a:t>Fourth level</a:t>
-            </a:r>
-          </a:p>
-          <a:p>
-            <a:pPr lvl="4"/>
-            <a:r>
-              <a:rPr lang="en-US" smtClean="0"/>
-              <a:t>Fifth level</a:t>
-            </a:r>
-            <a:endParaRPr lang="en-US"/>
-          </a:p>
-        </p:txBody>
-      </p:sp>
-      <p:sp>
-        <p:nvSpPr>
-          <p:cNvPr id="4" name="Date Placeholder 3"/>
-          <p:cNvSpPr>
-            <a:spLocks noGrp="1"/>
-          </p:cNvSpPr>
-          <p:nvPr>
-            <p:ph type="dt" sz="half" idx="10"/>
-          </p:nvPr>
-        </p:nvSpPr>
-        <p:spPr/>
-        <p:txBody>
-          <a:bodyPr/>
-          <a:lstStyle/>
-          <a:p>
-            <a:endParaRPr lang="en-US"/>
-          </a:p>
-        </p:txBody>
-      </p:sp>
-      <p:sp>
-        <p:nvSpPr>
-          <p:cNvPr id="5" name="Footer Placeholder 4"/>
-          <p:cNvSpPr>
-            <a:spLocks noGrp="1"/>
-          </p:cNvSpPr>
-          <p:nvPr>
-            <p:ph type="ftr" sz="quarter" idx="11"/>
-          </p:nvPr>
-        </p:nvSpPr>
-        <p:spPr/>
-        <p:txBody>
-          <a:bodyPr/>
-          <a:lstStyle/>
-          <a:p>
-            <a:r>
-              <a:rPr lang="en-US" smtClean="0"/>
-              <a:t>https://github.com/StoneyJackson/git-ccscne-2016</a:t>
-            </a:r>
-            <a:endParaRPr lang="en-US"/>
-          </a:p>
-        </p:txBody>
-      </p:sp>
-      <p:sp>
-        <p:nvSpPr>
-          <p:cNvPr id="6" name="Slide Number Placeholder 5"/>
-          <p:cNvSpPr>
-            <a:spLocks noGrp="1"/>
-          </p:cNvSpPr>
-          <p:nvPr>
-            <p:ph type="sldNum" sz="quarter" idx="12"/>
-          </p:nvPr>
-        </p:nvSpPr>
-        <p:spPr/>
-        <p:txBody>
-          <a:bodyPr/>
-          <a:lstStyle/>
-          <a:p>
-            <a:fld id="{678F8F6E-5A8E-4E85-A435-8315B0AC7956}" type="slidenum">
-              <a:rPr lang="en-US" smtClean="0"/>
-              <a:t>‹#›</a:t>
-            </a:fld>
-            <a:endParaRPr lang="en-US"/>
-          </a:p>
-        </p:txBody>
-      </p:sp>
-    </p:spTree>
-    <p:extLst>
-      <p:ext uri="{BB962C8B-B14F-4D97-AF65-F5344CB8AC3E}">
-        <p14:creationId xmlns:p14="http://schemas.microsoft.com/office/powerpoint/2010/main" val="3933084140"/>
-      </p:ext>
-    </p:extLst>
-  </p:cSld>
-  <p:clrMapOvr>
-    <a:masterClrMapping/>
-  </p:clrMapOvr>
-</p:sldLayout>
-</file>
-
-<file path=ppt/slideLayouts/slideLayout15.xml><?xml version="1.0" encoding="utf-8"?>
-<p:sldLayout xmlns:a="http://schemas.openxmlformats.org/drawingml/2006/main" xmlns:r="http://schemas.openxmlformats.org/officeDocument/2006/relationships" xmlns:p="http://schemas.openxmlformats.org/presentationml/2006/main" type="secHead" preserve="1">
-  <p:cSld name="Section Header">
-    <p:spTree>
-      <p:nvGrpSpPr>
-        <p:cNvPr id="1" name=""/>
-        <p:cNvGrpSpPr/>
-        <p:nvPr/>
-      </p:nvGrpSpPr>
-      <p:grpSpPr>
-        <a:xfrm>
-          <a:off x="0" y="0"/>
-          <a:ext cx="0" cy="0"/>
-          <a:chOff x="0" y="0"/>
-          <a:chExt cx="0" cy="0"/>
-        </a:xfrm>
-      </p:grpSpPr>
-      <p:sp>
-        <p:nvSpPr>
-          <p:cNvPr id="2" name="Title 1"/>
-          <p:cNvSpPr>
-            <a:spLocks noGrp="1"/>
-          </p:cNvSpPr>
-          <p:nvPr>
-            <p:ph type="title"/>
-          </p:nvPr>
-        </p:nvSpPr>
-        <p:spPr>
-          <a:xfrm>
-            <a:off x="831850" y="1709738"/>
-            <a:ext cx="10515600" cy="2852737"/>
-          </a:xfrm>
-        </p:spPr>
-        <p:txBody>
-          <a:bodyPr anchor="b"/>
-          <a:lstStyle>
-            <a:lvl1pPr>
-              <a:defRPr sz="6000"/>
-            </a:lvl1pPr>
-          </a:lstStyle>
-          <a:p>
-            <a:r>
-              <a:rPr lang="en-US" smtClean="0"/>
-              <a:t>Click to edit Master title style</a:t>
-            </a:r>
-            <a:endParaRPr lang="en-US"/>
-          </a:p>
-        </p:txBody>
-      </p:sp>
-      <p:sp>
-        <p:nvSpPr>
-          <p:cNvPr id="3" name="Text Placeholder 2"/>
-          <p:cNvSpPr>
-            <a:spLocks noGrp="1"/>
-          </p:cNvSpPr>
-          <p:nvPr>
-            <p:ph type="body" idx="1"/>
-          </p:nvPr>
-        </p:nvSpPr>
-        <p:spPr>
-          <a:xfrm>
-            <a:off x="831850" y="4589463"/>
-            <a:ext cx="10515600" cy="1500187"/>
-          </a:xfrm>
-        </p:spPr>
-        <p:txBody>
-          <a:bodyPr/>
-          <a:lstStyle>
-            <a:lvl1pPr marL="0" indent="0">
-              <a:buNone/>
-              <a:defRPr sz="2400">
-                <a:solidFill>
-                  <a:schemeClr val="tx1">
-                    <a:tint val="75000"/>
-                  </a:schemeClr>
-                </a:solidFill>
-              </a:defRPr>
-            </a:lvl1pPr>
-            <a:lvl2pPr marL="457200" indent="0">
-              <a:buNone/>
-              <a:defRPr sz="2000">
-                <a:solidFill>
-                  <a:schemeClr val="tx1">
-                    <a:tint val="75000"/>
-                  </a:schemeClr>
-                </a:solidFill>
-              </a:defRPr>
-            </a:lvl2pPr>
-            <a:lvl3pPr marL="914400" indent="0">
-              <a:buNone/>
-              <a:defRPr sz="1800">
-                <a:solidFill>
-                  <a:schemeClr val="tx1">
-                    <a:tint val="75000"/>
-                  </a:schemeClr>
-                </a:solidFill>
-              </a:defRPr>
-            </a:lvl3pPr>
-            <a:lvl4pPr marL="1371600" indent="0">
-              <a:buNone/>
-              <a:defRPr sz="1600">
-                <a:solidFill>
-                  <a:schemeClr val="tx1">
-                    <a:tint val="75000"/>
-                  </a:schemeClr>
-                </a:solidFill>
-              </a:defRPr>
-            </a:lvl4pPr>
-            <a:lvl5pPr marL="1828800" indent="0">
-              <a:buNone/>
-              <a:defRPr sz="1600">
-                <a:solidFill>
-                  <a:schemeClr val="tx1">
-                    <a:tint val="75000"/>
-                  </a:schemeClr>
-                </a:solidFill>
-              </a:defRPr>
-            </a:lvl5pPr>
-            <a:lvl6pPr marL="2286000" indent="0">
-              <a:buNone/>
-              <a:defRPr sz="1600">
-                <a:solidFill>
-                  <a:schemeClr val="tx1">
-                    <a:tint val="75000"/>
-                  </a:schemeClr>
-                </a:solidFill>
-              </a:defRPr>
-            </a:lvl6pPr>
-            <a:lvl7pPr marL="2743200" indent="0">
-              <a:buNone/>
-              <a:defRPr sz="1600">
-                <a:solidFill>
-                  <a:schemeClr val="tx1">
-                    <a:tint val="75000"/>
-                  </a:schemeClr>
-                </a:solidFill>
-              </a:defRPr>
-            </a:lvl7pPr>
-            <a:lvl8pPr marL="3200400" indent="0">
-              <a:buNone/>
-              <a:defRPr sz="1600">
-                <a:solidFill>
-                  <a:schemeClr val="tx1">
-                    <a:tint val="75000"/>
-                  </a:schemeClr>
-                </a:solidFill>
-              </a:defRPr>
-            </a:lvl8pPr>
-            <a:lvl9pPr marL="3657600" indent="0">
-              <a:buNone/>
-              <a:defRPr sz="1600">
-                <a:solidFill>
-                  <a:schemeClr val="tx1">
-                    <a:tint val="75000"/>
-                  </a:schemeClr>
-                </a:solidFill>
-              </a:defRPr>
-            </a:lvl9pPr>
-          </a:lstStyle>
-          <a:p>
-            <a:pPr lvl="0"/>
-            <a:r>
-              <a:rPr lang="en-US" smtClean="0"/>
-              <a:t>Click to edit Master text styles</a:t>
-            </a:r>
-          </a:p>
-        </p:txBody>
-      </p:sp>
-      <p:sp>
-        <p:nvSpPr>
-          <p:cNvPr id="4" name="Date Placeholder 3"/>
-          <p:cNvSpPr>
-            <a:spLocks noGrp="1"/>
-          </p:cNvSpPr>
-          <p:nvPr>
-            <p:ph type="dt" sz="half" idx="10"/>
-          </p:nvPr>
-        </p:nvSpPr>
-        <p:spPr/>
-        <p:txBody>
-          <a:bodyPr/>
-          <a:lstStyle/>
-          <a:p>
-            <a:endParaRPr lang="en-US"/>
-          </a:p>
-        </p:txBody>
-      </p:sp>
-      <p:sp>
-        <p:nvSpPr>
-          <p:cNvPr id="5" name="Footer Placeholder 4"/>
-          <p:cNvSpPr>
-            <a:spLocks noGrp="1"/>
-          </p:cNvSpPr>
-          <p:nvPr>
-            <p:ph type="ftr" sz="quarter" idx="11"/>
-          </p:nvPr>
-        </p:nvSpPr>
-        <p:spPr/>
-        <p:txBody>
-          <a:bodyPr/>
-          <a:lstStyle/>
-          <a:p>
-            <a:r>
-              <a:rPr lang="en-US" smtClean="0"/>
-              <a:t>https://github.com/StoneyJackson/git-ccscne-2016</a:t>
-            </a:r>
-            <a:endParaRPr lang="en-US"/>
-          </a:p>
-        </p:txBody>
-      </p:sp>
-      <p:sp>
-        <p:nvSpPr>
-          <p:cNvPr id="6" name="Slide Number Placeholder 5"/>
-          <p:cNvSpPr>
-            <a:spLocks noGrp="1"/>
-          </p:cNvSpPr>
-          <p:nvPr>
-            <p:ph type="sldNum" sz="quarter" idx="12"/>
-          </p:nvPr>
-        </p:nvSpPr>
-        <p:spPr/>
-        <p:txBody>
-          <a:bodyPr/>
-          <a:lstStyle/>
-          <a:p>
-            <a:fld id="{678F8F6E-5A8E-4E85-A435-8315B0AC7956}" type="slidenum">
-              <a:rPr lang="en-US" smtClean="0"/>
-              <a:t>‹#›</a:t>
-            </a:fld>
-            <a:endParaRPr lang="en-US"/>
-          </a:p>
-        </p:txBody>
-      </p:sp>
-    </p:spTree>
-    <p:extLst>
-      <p:ext uri="{BB962C8B-B14F-4D97-AF65-F5344CB8AC3E}">
-        <p14:creationId xmlns:p14="http://schemas.microsoft.com/office/powerpoint/2010/main" val="3345098228"/>
-      </p:ext>
-    </p:extLst>
-  </p:cSld>
-  <p:clrMapOvr>
-    <a:masterClrMapping/>
-  </p:clrMapOvr>
-</p:sldLayout>
-</file>
-
-<file path=ppt/slideLayouts/slideLayout16.xml><?xml version="1.0" encoding="utf-8"?>
-<p:sldLayout xmlns:a="http://schemas.openxmlformats.org/drawingml/2006/main" xmlns:r="http://schemas.openxmlformats.org/officeDocument/2006/relationships" xmlns:p="http://schemas.openxmlformats.org/presentationml/2006/main" type="twoObj" preserve="1">
-  <p:cSld name="Two Content">
-    <p:spTree>
-      <p:nvGrpSpPr>
-        <p:cNvPr id="1" name=""/>
-        <p:cNvGrpSpPr/>
-        <p:nvPr/>
-      </p:nvGrpSpPr>
-      <p:grpSpPr>
-        <a:xfrm>
-          <a:off x="0" y="0"/>
-          <a:ext cx="0" cy="0"/>
-          <a:chOff x="0" y="0"/>
-          <a:chExt cx="0" cy="0"/>
-        </a:xfrm>
-      </p:grpSpPr>
-      <p:sp>
-        <p:nvSpPr>
-          <p:cNvPr id="2" name="Title 1"/>
-          <p:cNvSpPr>
-            <a:spLocks noGrp="1"/>
-          </p:cNvSpPr>
-          <p:nvPr>
-            <p:ph type="title"/>
-          </p:nvPr>
-        </p:nvSpPr>
-        <p:spPr/>
-        <p:txBody>
-          <a:bodyPr/>
-          <a:lstStyle/>
-          <a:p>
-            <a:r>
-              <a:rPr lang="en-US" smtClean="0"/>
-              <a:t>Click to edit Master title style</a:t>
-            </a:r>
-            <a:endParaRPr lang="en-US"/>
-          </a:p>
-        </p:txBody>
-      </p:sp>
-      <p:sp>
-        <p:nvSpPr>
-          <p:cNvPr id="3" name="Content Placeholder 2"/>
-          <p:cNvSpPr>
-            <a:spLocks noGrp="1"/>
-          </p:cNvSpPr>
-          <p:nvPr>
-            <p:ph sz="half" idx="1"/>
-          </p:nvPr>
-        </p:nvSpPr>
-        <p:spPr>
-          <a:xfrm>
-            <a:off x="838200" y="1825625"/>
-            <a:ext cx="5181600" cy="4351338"/>
-          </a:xfrm>
-        </p:spPr>
-        <p:txBody>
-          <a:bodyPr/>
-          <a:lstStyle/>
-          <a:p>
-            <a:pPr lvl="0"/>
-            <a:r>
-              <a:rPr lang="en-US" smtClean="0"/>
-              <a:t>Click to edit Master text styles</a:t>
-            </a:r>
-          </a:p>
-          <a:p>
-            <a:pPr lvl="1"/>
-            <a:r>
-              <a:rPr lang="en-US" smtClean="0"/>
-              <a:t>Second level</a:t>
-            </a:r>
-          </a:p>
-          <a:p>
-            <a:pPr lvl="2"/>
-            <a:r>
-              <a:rPr lang="en-US" smtClean="0"/>
-              <a:t>Third level</a:t>
-            </a:r>
-          </a:p>
-          <a:p>
-            <a:pPr lvl="3"/>
-            <a:r>
-              <a:rPr lang="en-US" smtClean="0"/>
-              <a:t>Fourth level</a:t>
-            </a:r>
-          </a:p>
-          <a:p>
-            <a:pPr lvl="4"/>
-            <a:r>
-              <a:rPr lang="en-US" smtClean="0"/>
-              <a:t>Fifth level</a:t>
-            </a:r>
-            <a:endParaRPr lang="en-US"/>
-          </a:p>
-        </p:txBody>
-      </p:sp>
-      <p:sp>
-        <p:nvSpPr>
-          <p:cNvPr id="4" name="Content Placeholder 3"/>
-          <p:cNvSpPr>
-            <a:spLocks noGrp="1"/>
-          </p:cNvSpPr>
-          <p:nvPr>
-            <p:ph sz="half" idx="2"/>
-          </p:nvPr>
-        </p:nvSpPr>
-        <p:spPr>
-          <a:xfrm>
-            <a:off x="6172200" y="1825625"/>
-            <a:ext cx="5181600" cy="4351338"/>
-          </a:xfrm>
-        </p:spPr>
-        <p:txBody>
-          <a:bodyPr/>
-          <a:lstStyle/>
-          <a:p>
-            <a:pPr lvl="0"/>
-            <a:r>
-              <a:rPr lang="en-US" smtClean="0"/>
-              <a:t>Click to edit Master text styles</a:t>
-            </a:r>
-          </a:p>
-          <a:p>
-            <a:pPr lvl="1"/>
-            <a:r>
-              <a:rPr lang="en-US" smtClean="0"/>
-              <a:t>Second level</a:t>
-            </a:r>
-          </a:p>
-          <a:p>
-            <a:pPr lvl="2"/>
-            <a:r>
-              <a:rPr lang="en-US" smtClean="0"/>
-              <a:t>Third level</a:t>
-            </a:r>
-          </a:p>
-          <a:p>
-            <a:pPr lvl="3"/>
-            <a:r>
-              <a:rPr lang="en-US" smtClean="0"/>
-              <a:t>Fourth level</a:t>
-            </a:r>
-          </a:p>
-          <a:p>
-            <a:pPr lvl="4"/>
-            <a:r>
-              <a:rPr lang="en-US" smtClean="0"/>
-              <a:t>Fifth level</a:t>
-            </a:r>
-            <a:endParaRPr lang="en-US"/>
-          </a:p>
-        </p:txBody>
-      </p:sp>
-      <p:sp>
-        <p:nvSpPr>
-          <p:cNvPr id="5" name="Date Placeholder 4"/>
-          <p:cNvSpPr>
-            <a:spLocks noGrp="1"/>
-          </p:cNvSpPr>
-          <p:nvPr>
-            <p:ph type="dt" sz="half" idx="10"/>
-          </p:nvPr>
-        </p:nvSpPr>
-        <p:spPr/>
-        <p:txBody>
-          <a:bodyPr/>
-          <a:lstStyle/>
-          <a:p>
-            <a:endParaRPr lang="en-US"/>
-          </a:p>
-        </p:txBody>
-      </p:sp>
-      <p:sp>
-        <p:nvSpPr>
-          <p:cNvPr id="6" name="Footer Placeholder 5"/>
-          <p:cNvSpPr>
-            <a:spLocks noGrp="1"/>
-          </p:cNvSpPr>
-          <p:nvPr>
-            <p:ph type="ftr" sz="quarter" idx="11"/>
-          </p:nvPr>
-        </p:nvSpPr>
-        <p:spPr/>
-        <p:txBody>
-          <a:bodyPr/>
-          <a:lstStyle/>
-          <a:p>
-            <a:r>
-              <a:rPr lang="en-US" smtClean="0"/>
-              <a:t>https://github.com/StoneyJackson/git-ccscne-2016</a:t>
-            </a:r>
-            <a:endParaRPr lang="en-US"/>
-          </a:p>
-        </p:txBody>
-      </p:sp>
-      <p:sp>
-        <p:nvSpPr>
-          <p:cNvPr id="7" name="Slide Number Placeholder 6"/>
-          <p:cNvSpPr>
-            <a:spLocks noGrp="1"/>
-          </p:cNvSpPr>
-          <p:nvPr>
-            <p:ph type="sldNum" sz="quarter" idx="12"/>
-          </p:nvPr>
-        </p:nvSpPr>
-        <p:spPr/>
-        <p:txBody>
-          <a:bodyPr/>
-          <a:lstStyle/>
-          <a:p>
-            <a:fld id="{678F8F6E-5A8E-4E85-A435-8315B0AC7956}" type="slidenum">
-              <a:rPr lang="en-US" smtClean="0"/>
-              <a:t>‹#›</a:t>
-            </a:fld>
-            <a:endParaRPr lang="en-US"/>
-          </a:p>
-        </p:txBody>
-      </p:sp>
-    </p:spTree>
-    <p:extLst>
-      <p:ext uri="{BB962C8B-B14F-4D97-AF65-F5344CB8AC3E}">
-        <p14:creationId xmlns:p14="http://schemas.microsoft.com/office/powerpoint/2010/main" val="3478529478"/>
-      </p:ext>
-    </p:extLst>
-  </p:cSld>
-  <p:clrMapOvr>
-    <a:masterClrMapping/>
-  </p:clrMapOvr>
-</p:sldLayout>
-</file>
-
-<file path=ppt/slideLayouts/slideLayout17.xml><?xml version="1.0" encoding="utf-8"?>
-<p:sldLayout xmlns:a="http://schemas.openxmlformats.org/drawingml/2006/main" xmlns:r="http://schemas.openxmlformats.org/officeDocument/2006/relationships" xmlns:p="http://schemas.openxmlformats.org/presentationml/2006/main" type="twoTxTwoObj" preserve="1">
-  <p:cSld name="Comparison">
-    <p:spTree>
-      <p:nvGrpSpPr>
-        <p:cNvPr id="1" name=""/>
-        <p:cNvGrpSpPr/>
-        <p:nvPr/>
-      </p:nvGrpSpPr>
-      <p:grpSpPr>
-        <a:xfrm>
-          <a:off x="0" y="0"/>
-          <a:ext cx="0" cy="0"/>
-          <a:chOff x="0" y="0"/>
-          <a:chExt cx="0" cy="0"/>
-        </a:xfrm>
-      </p:grpSpPr>
-      <p:sp>
-        <p:nvSpPr>
-          <p:cNvPr id="2" name="Title 1"/>
-          <p:cNvSpPr>
-            <a:spLocks noGrp="1"/>
-          </p:cNvSpPr>
-          <p:nvPr>
-            <p:ph type="title"/>
-          </p:nvPr>
-        </p:nvSpPr>
-        <p:spPr>
-          <a:xfrm>
-            <a:off x="839788" y="365125"/>
-            <a:ext cx="10515600" cy="1325563"/>
-          </a:xfrm>
-        </p:spPr>
-        <p:txBody>
-          <a:bodyPr/>
-          <a:lstStyle/>
-          <a:p>
-            <a:r>
-              <a:rPr lang="en-US" smtClean="0"/>
-              <a:t>Click to edit Master title style</a:t>
-            </a:r>
-            <a:endParaRPr lang="en-US"/>
-          </a:p>
-        </p:txBody>
-      </p:sp>
-      <p:sp>
-        <p:nvSpPr>
-          <p:cNvPr id="3" name="Text Placeholder 2"/>
-          <p:cNvSpPr>
-            <a:spLocks noGrp="1"/>
-          </p:cNvSpPr>
-          <p:nvPr>
-            <p:ph type="body" idx="1"/>
-          </p:nvPr>
-        </p:nvSpPr>
-        <p:spPr>
-          <a:xfrm>
-            <a:off x="839788" y="1681163"/>
-            <a:ext cx="5157787" cy="823912"/>
-          </a:xfrm>
-        </p:spPr>
-        <p:txBody>
-          <a:bodyPr anchor="b"/>
-          <a:lstStyle>
-            <a:lvl1pPr marL="0" indent="0">
-              <a:buNone/>
-              <a:defRPr sz="2400" b="1"/>
-            </a:lvl1pPr>
-            <a:lvl2pPr marL="457200" indent="0">
-              <a:buNone/>
-              <a:defRPr sz="2000" b="1"/>
-            </a:lvl2pPr>
-            <a:lvl3pPr marL="914400" indent="0">
-              <a:buNone/>
-              <a:defRPr sz="1800" b="1"/>
-            </a:lvl3pPr>
-            <a:lvl4pPr marL="1371600" indent="0">
-              <a:buNone/>
-              <a:defRPr sz="1600" b="1"/>
-            </a:lvl4pPr>
-            <a:lvl5pPr marL="1828800" indent="0">
-              <a:buNone/>
-              <a:defRPr sz="1600" b="1"/>
-            </a:lvl5pPr>
-            <a:lvl6pPr marL="2286000" indent="0">
-              <a:buNone/>
-              <a:defRPr sz="1600" b="1"/>
-            </a:lvl6pPr>
-            <a:lvl7pPr marL="2743200" indent="0">
-              <a:buNone/>
-              <a:defRPr sz="1600" b="1"/>
-            </a:lvl7pPr>
-            <a:lvl8pPr marL="3200400" indent="0">
-              <a:buNone/>
-              <a:defRPr sz="1600" b="1"/>
-            </a:lvl8pPr>
-            <a:lvl9pPr marL="3657600" indent="0">
-              <a:buNone/>
-              <a:defRPr sz="1600" b="1"/>
-            </a:lvl9pPr>
-          </a:lstStyle>
-          <a:p>
-            <a:pPr lvl="0"/>
-            <a:r>
-              <a:rPr lang="en-US" smtClean="0"/>
-              <a:t>Click to edit Master text styles</a:t>
-            </a:r>
-          </a:p>
-        </p:txBody>
-      </p:sp>
-      <p:sp>
-        <p:nvSpPr>
-          <p:cNvPr id="4" name="Content Placeholder 3"/>
-          <p:cNvSpPr>
-            <a:spLocks noGrp="1"/>
-          </p:cNvSpPr>
-          <p:nvPr>
-            <p:ph sz="half" idx="2"/>
-          </p:nvPr>
-        </p:nvSpPr>
-        <p:spPr>
-          <a:xfrm>
-            <a:off x="839788" y="2505075"/>
-            <a:ext cx="5157787" cy="3684588"/>
-          </a:xfrm>
-        </p:spPr>
-        <p:txBody>
-          <a:bodyPr/>
-          <a:lstStyle/>
-          <a:p>
-            <a:pPr lvl="0"/>
-            <a:r>
-              <a:rPr lang="en-US" smtClean="0"/>
-              <a:t>Click to edit Master text styles</a:t>
-            </a:r>
-          </a:p>
-          <a:p>
-            <a:pPr lvl="1"/>
-            <a:r>
-              <a:rPr lang="en-US" smtClean="0"/>
-              <a:t>Second level</a:t>
-            </a:r>
-          </a:p>
-          <a:p>
-            <a:pPr lvl="2"/>
-            <a:r>
-              <a:rPr lang="en-US" smtClean="0"/>
-              <a:t>Third level</a:t>
-            </a:r>
-          </a:p>
-          <a:p>
-            <a:pPr lvl="3"/>
-            <a:r>
-              <a:rPr lang="en-US" smtClean="0"/>
-              <a:t>Fourth level</a:t>
-            </a:r>
-          </a:p>
-          <a:p>
-            <a:pPr lvl="4"/>
-            <a:r>
-              <a:rPr lang="en-US" smtClean="0"/>
-              <a:t>Fifth level</a:t>
-            </a:r>
-            <a:endParaRPr lang="en-US"/>
-          </a:p>
-        </p:txBody>
-      </p:sp>
-      <p:sp>
-        <p:nvSpPr>
-          <p:cNvPr id="5" name="Text Placeholder 4"/>
-          <p:cNvSpPr>
-            <a:spLocks noGrp="1"/>
-          </p:cNvSpPr>
-          <p:nvPr>
-            <p:ph type="body" sz="quarter" idx="3"/>
-          </p:nvPr>
-        </p:nvSpPr>
-        <p:spPr>
-          <a:xfrm>
-            <a:off x="6172200" y="1681163"/>
-            <a:ext cx="5183188" cy="823912"/>
-          </a:xfrm>
-        </p:spPr>
-        <p:txBody>
-          <a:bodyPr anchor="b"/>
-          <a:lstStyle>
-            <a:lvl1pPr marL="0" indent="0">
-              <a:buNone/>
-              <a:defRPr sz="2400" b="1"/>
-            </a:lvl1pPr>
-            <a:lvl2pPr marL="457200" indent="0">
-              <a:buNone/>
-              <a:defRPr sz="2000" b="1"/>
-            </a:lvl2pPr>
-            <a:lvl3pPr marL="914400" indent="0">
-              <a:buNone/>
-              <a:defRPr sz="1800" b="1"/>
-            </a:lvl3pPr>
-            <a:lvl4pPr marL="1371600" indent="0">
-              <a:buNone/>
-              <a:defRPr sz="1600" b="1"/>
-            </a:lvl4pPr>
-            <a:lvl5pPr marL="1828800" indent="0">
-              <a:buNone/>
-              <a:defRPr sz="1600" b="1"/>
-            </a:lvl5pPr>
-            <a:lvl6pPr marL="2286000" indent="0">
-              <a:buNone/>
-              <a:defRPr sz="1600" b="1"/>
-            </a:lvl6pPr>
-            <a:lvl7pPr marL="2743200" indent="0">
-              <a:buNone/>
-              <a:defRPr sz="1600" b="1"/>
-            </a:lvl7pPr>
-            <a:lvl8pPr marL="3200400" indent="0">
-              <a:buNone/>
-              <a:defRPr sz="1600" b="1"/>
-            </a:lvl8pPr>
-            <a:lvl9pPr marL="3657600" indent="0">
-              <a:buNone/>
-              <a:defRPr sz="1600" b="1"/>
-            </a:lvl9pPr>
-          </a:lstStyle>
-          <a:p>
-            <a:pPr lvl="0"/>
-            <a:r>
-              <a:rPr lang="en-US" smtClean="0"/>
-              <a:t>Click to edit Master text styles</a:t>
-            </a:r>
-          </a:p>
-        </p:txBody>
-      </p:sp>
-      <p:sp>
-        <p:nvSpPr>
-          <p:cNvPr id="6" name="Content Placeholder 5"/>
-          <p:cNvSpPr>
-            <a:spLocks noGrp="1"/>
-          </p:cNvSpPr>
-          <p:nvPr>
-            <p:ph sz="quarter" idx="4"/>
-          </p:nvPr>
-        </p:nvSpPr>
-        <p:spPr>
-          <a:xfrm>
-            <a:off x="6172200" y="2505075"/>
-            <a:ext cx="5183188" cy="3684588"/>
-          </a:xfrm>
-        </p:spPr>
-        <p:txBody>
-          <a:bodyPr/>
-          <a:lstStyle/>
-          <a:p>
-            <a:pPr lvl="0"/>
-            <a:r>
-              <a:rPr lang="en-US" smtClean="0"/>
-              <a:t>Click to edit Master text styles</a:t>
-            </a:r>
-          </a:p>
-          <a:p>
-            <a:pPr lvl="1"/>
-            <a:r>
-              <a:rPr lang="en-US" smtClean="0"/>
-              <a:t>Second level</a:t>
-            </a:r>
-          </a:p>
-          <a:p>
-            <a:pPr lvl="2"/>
-            <a:r>
-              <a:rPr lang="en-US" smtClean="0"/>
-              <a:t>Third level</a:t>
-            </a:r>
-          </a:p>
-          <a:p>
-            <a:pPr lvl="3"/>
-            <a:r>
-              <a:rPr lang="en-US" smtClean="0"/>
-              <a:t>Fourth level</a:t>
-            </a:r>
-          </a:p>
-          <a:p>
-            <a:pPr lvl="4"/>
-            <a:r>
-              <a:rPr lang="en-US" smtClean="0"/>
-              <a:t>Fifth level</a:t>
-            </a:r>
-            <a:endParaRPr lang="en-US"/>
-          </a:p>
-        </p:txBody>
-      </p:sp>
-      <p:sp>
-        <p:nvSpPr>
-          <p:cNvPr id="7" name="Date Placeholder 6"/>
-          <p:cNvSpPr>
-            <a:spLocks noGrp="1"/>
-          </p:cNvSpPr>
-          <p:nvPr>
-            <p:ph type="dt" sz="half" idx="10"/>
-          </p:nvPr>
-        </p:nvSpPr>
-        <p:spPr/>
-        <p:txBody>
-          <a:bodyPr/>
-          <a:lstStyle/>
-          <a:p>
-            <a:endParaRPr lang="en-US"/>
-          </a:p>
-        </p:txBody>
-      </p:sp>
-      <p:sp>
-        <p:nvSpPr>
-          <p:cNvPr id="8" name="Footer Placeholder 7"/>
-          <p:cNvSpPr>
-            <a:spLocks noGrp="1"/>
-          </p:cNvSpPr>
-          <p:nvPr>
-            <p:ph type="ftr" sz="quarter" idx="11"/>
-          </p:nvPr>
-        </p:nvSpPr>
-        <p:spPr/>
-        <p:txBody>
-          <a:bodyPr/>
-          <a:lstStyle/>
-          <a:p>
-            <a:r>
-              <a:rPr lang="en-US" smtClean="0"/>
-              <a:t>https://github.com/StoneyJackson/git-ccscne-2016</a:t>
-            </a:r>
-            <a:endParaRPr lang="en-US"/>
-          </a:p>
-        </p:txBody>
-      </p:sp>
-      <p:sp>
-        <p:nvSpPr>
-          <p:cNvPr id="9" name="Slide Number Placeholder 8"/>
-          <p:cNvSpPr>
-            <a:spLocks noGrp="1"/>
-          </p:cNvSpPr>
-          <p:nvPr>
-            <p:ph type="sldNum" sz="quarter" idx="12"/>
-          </p:nvPr>
-        </p:nvSpPr>
-        <p:spPr/>
-        <p:txBody>
-          <a:bodyPr/>
-          <a:lstStyle/>
-          <a:p>
-            <a:fld id="{678F8F6E-5A8E-4E85-A435-8315B0AC7956}" type="slidenum">
-              <a:rPr lang="en-US" smtClean="0"/>
-              <a:t>‹#›</a:t>
-            </a:fld>
-            <a:endParaRPr lang="en-US"/>
-          </a:p>
-        </p:txBody>
-      </p:sp>
-    </p:spTree>
-    <p:extLst>
-      <p:ext uri="{BB962C8B-B14F-4D97-AF65-F5344CB8AC3E}">
-        <p14:creationId xmlns:p14="http://schemas.microsoft.com/office/powerpoint/2010/main" val="3384542751"/>
-      </p:ext>
-    </p:extLst>
-  </p:cSld>
-  <p:clrMapOvr>
-    <a:masterClrMapping/>
-  </p:clrMapOvr>
-</p:sldLayout>
-</file>
-
-<file path=ppt/slideLayouts/slideLayout18.xml><?xml version="1.0" encoding="utf-8"?>
-<p:sldLayout xmlns:a="http://schemas.openxmlformats.org/drawingml/2006/main" xmlns:r="http://schemas.openxmlformats.org/officeDocument/2006/relationships" xmlns:p="http://schemas.openxmlformats.org/presentationml/2006/main" type="titleOnly" preserve="1">
-  <p:cSld name="Title Only">
-    <p:spTree>
-      <p:nvGrpSpPr>
-        <p:cNvPr id="1" name=""/>
-        <p:cNvGrpSpPr/>
-        <p:nvPr/>
-      </p:nvGrpSpPr>
-      <p:grpSpPr>
-        <a:xfrm>
-          <a:off x="0" y="0"/>
-          <a:ext cx="0" cy="0"/>
-          <a:chOff x="0" y="0"/>
-          <a:chExt cx="0" cy="0"/>
-        </a:xfrm>
-      </p:grpSpPr>
-      <p:sp>
-        <p:nvSpPr>
-          <p:cNvPr id="2" name="Title 1"/>
-          <p:cNvSpPr>
-            <a:spLocks noGrp="1"/>
-          </p:cNvSpPr>
-          <p:nvPr>
-            <p:ph type="title"/>
-          </p:nvPr>
-        </p:nvSpPr>
-        <p:spPr/>
-        <p:txBody>
-          <a:bodyPr/>
-          <a:lstStyle/>
-          <a:p>
-            <a:r>
-              <a:rPr lang="en-US" smtClean="0"/>
-              <a:t>Click to edit Master title style</a:t>
-            </a:r>
-            <a:endParaRPr lang="en-US"/>
-          </a:p>
-        </p:txBody>
-      </p:sp>
-      <p:sp>
-        <p:nvSpPr>
-          <p:cNvPr id="3" name="Date Placeholder 2"/>
-          <p:cNvSpPr>
-            <a:spLocks noGrp="1"/>
-          </p:cNvSpPr>
-          <p:nvPr>
-            <p:ph type="dt" sz="half" idx="10"/>
-          </p:nvPr>
-        </p:nvSpPr>
-        <p:spPr/>
-        <p:txBody>
-          <a:bodyPr/>
-          <a:lstStyle/>
-          <a:p>
-            <a:endParaRPr lang="en-US"/>
-          </a:p>
-        </p:txBody>
-      </p:sp>
-      <p:sp>
-        <p:nvSpPr>
-          <p:cNvPr id="4" name="Footer Placeholder 3"/>
-          <p:cNvSpPr>
-            <a:spLocks noGrp="1"/>
-          </p:cNvSpPr>
-          <p:nvPr>
-            <p:ph type="ftr" sz="quarter" idx="11"/>
-          </p:nvPr>
-        </p:nvSpPr>
-        <p:spPr/>
-        <p:txBody>
-          <a:bodyPr/>
-          <a:lstStyle/>
-          <a:p>
-            <a:r>
-              <a:rPr lang="en-US" smtClean="0"/>
-              <a:t>https://github.com/StoneyJackson/git-ccscne-2016</a:t>
-            </a:r>
-            <a:endParaRPr lang="en-US"/>
-          </a:p>
-        </p:txBody>
-      </p:sp>
-      <p:sp>
-        <p:nvSpPr>
-          <p:cNvPr id="5" name="Slide Number Placeholder 4"/>
-          <p:cNvSpPr>
-            <a:spLocks noGrp="1"/>
-          </p:cNvSpPr>
-          <p:nvPr>
-            <p:ph type="sldNum" sz="quarter" idx="12"/>
-          </p:nvPr>
-        </p:nvSpPr>
-        <p:spPr/>
-        <p:txBody>
-          <a:bodyPr/>
-          <a:lstStyle/>
-          <a:p>
-            <a:fld id="{678F8F6E-5A8E-4E85-A435-8315B0AC7956}" type="slidenum">
-              <a:rPr lang="en-US" smtClean="0"/>
-              <a:t>‹#›</a:t>
-            </a:fld>
-            <a:endParaRPr lang="en-US"/>
-          </a:p>
-        </p:txBody>
-      </p:sp>
-    </p:spTree>
-    <p:extLst>
-      <p:ext uri="{BB962C8B-B14F-4D97-AF65-F5344CB8AC3E}">
-        <p14:creationId xmlns:p14="http://schemas.microsoft.com/office/powerpoint/2010/main" val="3214951826"/>
-      </p:ext>
-    </p:extLst>
-  </p:cSld>
-  <p:clrMapOvr>
-    <a:masterClrMapping/>
-  </p:clrMapOvr>
-</p:sldLayout>
-</file>
-
-<file path=ppt/slideLayouts/slideLayout19.xml><?xml version="1.0" encoding="utf-8"?>
-<p:sldLayout xmlns:a="http://schemas.openxmlformats.org/drawingml/2006/main" xmlns:r="http://schemas.openxmlformats.org/officeDocument/2006/relationships" xmlns:p="http://schemas.openxmlformats.org/presentationml/2006/main" type="blank" preserve="1">
-  <p:cSld name="Blank">
-    <p:spTree>
-      <p:nvGrpSpPr>
-        <p:cNvPr id="1" name=""/>
-        <p:cNvGrpSpPr/>
-        <p:nvPr/>
-      </p:nvGrpSpPr>
-      <p:grpSpPr>
-        <a:xfrm>
-          <a:off x="0" y="0"/>
-          <a:ext cx="0" cy="0"/>
-          <a:chOff x="0" y="0"/>
-          <a:chExt cx="0" cy="0"/>
-        </a:xfrm>
-      </p:grpSpPr>
-      <p:sp>
-        <p:nvSpPr>
-          <p:cNvPr id="2" name="Date Placeholder 1"/>
-          <p:cNvSpPr>
-            <a:spLocks noGrp="1"/>
-          </p:cNvSpPr>
-          <p:nvPr>
-            <p:ph type="dt" sz="half" idx="10"/>
-          </p:nvPr>
-        </p:nvSpPr>
-        <p:spPr/>
-        <p:txBody>
-          <a:bodyPr/>
-          <a:lstStyle/>
-          <a:p>
-            <a:endParaRPr lang="en-US"/>
-          </a:p>
-        </p:txBody>
-      </p:sp>
-      <p:sp>
-        <p:nvSpPr>
-          <p:cNvPr id="3" name="Footer Placeholder 2"/>
-          <p:cNvSpPr>
-            <a:spLocks noGrp="1"/>
-          </p:cNvSpPr>
-          <p:nvPr>
-            <p:ph type="ftr" sz="quarter" idx="11"/>
-          </p:nvPr>
-        </p:nvSpPr>
-        <p:spPr/>
-        <p:txBody>
-          <a:bodyPr/>
-          <a:lstStyle/>
-          <a:p>
-            <a:r>
-              <a:rPr lang="en-US" smtClean="0"/>
-              <a:t>https://github.com/StoneyJackson/git-ccscne-2016</a:t>
-            </a:r>
-            <a:endParaRPr lang="en-US"/>
-          </a:p>
-        </p:txBody>
-      </p:sp>
-      <p:sp>
-        <p:nvSpPr>
-          <p:cNvPr id="4" name="Slide Number Placeholder 3"/>
-          <p:cNvSpPr>
-            <a:spLocks noGrp="1"/>
-          </p:cNvSpPr>
-          <p:nvPr>
-            <p:ph type="sldNum" sz="quarter" idx="12"/>
-          </p:nvPr>
-        </p:nvSpPr>
-        <p:spPr/>
-        <p:txBody>
-          <a:bodyPr/>
-          <a:lstStyle/>
-          <a:p>
-            <a:fld id="{678F8F6E-5A8E-4E85-A435-8315B0AC7956}" type="slidenum">
-              <a:rPr lang="en-US" smtClean="0"/>
-              <a:t>‹#›</a:t>
-            </a:fld>
-            <a:endParaRPr lang="en-US"/>
-          </a:p>
-        </p:txBody>
-      </p:sp>
-    </p:spTree>
-    <p:extLst>
-      <p:ext uri="{BB962C8B-B14F-4D97-AF65-F5344CB8AC3E}">
-        <p14:creationId xmlns:p14="http://schemas.microsoft.com/office/powerpoint/2010/main" val="2836979502"/>
-      </p:ext>
-    </p:extLst>
-  </p:cSld>
-  <p:clrMapOvr>
-    <a:masterClrMapping/>
-  </p:clrMapOvr>
-</p:sldLayout>
-</file>
-
 <file path=ppt/slideLayouts/slideLayout2.xml><?xml version="1.0" encoding="utf-8"?>
 <p:sldLayout xmlns:a="http://schemas.openxmlformats.org/drawingml/2006/main" xmlns:r="http://schemas.openxmlformats.org/officeDocument/2006/relationships" xmlns:p="http://schemas.openxmlformats.org/presentationml/2006/main" type="obj" preserve="1">
   <p:cSld name="Title and Content">
@@ -3059,6 +1651,10 @@
           <a:bodyPr/>
           <a:lstStyle/>
           <a:p>
+            <a:fld id="{7E64E287-0B7A-42EA-863F-9CF5D29988C6}" type="datetime1">
+              <a:rPr lang="en-US" smtClean="0"/>
+              <a:t>4/29/2016</a:t>
+            </a:fld>
             <a:endParaRPr lang="en-US"/>
           </a:p>
         </p:txBody>
@@ -3079,10 +1675,10 @@
           <a:lstStyle/>
           <a:p>
             <a:r>
-              <a:rPr lang="en-US" smtClean="0"/>
+              <a:rPr lang="en-US" dirty="0" smtClean="0"/>
               <a:t>https://github.com/StoneyJackson/git-ccscne-2016</a:t>
             </a:r>
-            <a:endParaRPr lang="en-US"/>
+            <a:endParaRPr lang="en-US" dirty="0"/>
           </a:p>
         </p:txBody>
       </p:sp>
@@ -3129,886 +1725,6 @@
 </p:sldLayout>
 </file>
 
-<file path=ppt/slideLayouts/slideLayout20.xml><?xml version="1.0" encoding="utf-8"?>
-<p:sldLayout xmlns:a="http://schemas.openxmlformats.org/drawingml/2006/main" xmlns:r="http://schemas.openxmlformats.org/officeDocument/2006/relationships" xmlns:p="http://schemas.openxmlformats.org/presentationml/2006/main" type="objTx" preserve="1">
-  <p:cSld name="Content with Caption">
-    <p:spTree>
-      <p:nvGrpSpPr>
-        <p:cNvPr id="1" name=""/>
-        <p:cNvGrpSpPr/>
-        <p:nvPr/>
-      </p:nvGrpSpPr>
-      <p:grpSpPr>
-        <a:xfrm>
-          <a:off x="0" y="0"/>
-          <a:ext cx="0" cy="0"/>
-          <a:chOff x="0" y="0"/>
-          <a:chExt cx="0" cy="0"/>
-        </a:xfrm>
-      </p:grpSpPr>
-      <p:sp>
-        <p:nvSpPr>
-          <p:cNvPr id="2" name="Title 1"/>
-          <p:cNvSpPr>
-            <a:spLocks noGrp="1"/>
-          </p:cNvSpPr>
-          <p:nvPr>
-            <p:ph type="title"/>
-          </p:nvPr>
-        </p:nvSpPr>
-        <p:spPr>
-          <a:xfrm>
-            <a:off x="839788" y="457200"/>
-            <a:ext cx="3932237" cy="1600200"/>
-          </a:xfrm>
-        </p:spPr>
-        <p:txBody>
-          <a:bodyPr anchor="b"/>
-          <a:lstStyle>
-            <a:lvl1pPr>
-              <a:defRPr sz="3200"/>
-            </a:lvl1pPr>
-          </a:lstStyle>
-          <a:p>
-            <a:r>
-              <a:rPr lang="en-US" smtClean="0"/>
-              <a:t>Click to edit Master title style</a:t>
-            </a:r>
-            <a:endParaRPr lang="en-US"/>
-          </a:p>
-        </p:txBody>
-      </p:sp>
-      <p:sp>
-        <p:nvSpPr>
-          <p:cNvPr id="3" name="Content Placeholder 2"/>
-          <p:cNvSpPr>
-            <a:spLocks noGrp="1"/>
-          </p:cNvSpPr>
-          <p:nvPr>
-            <p:ph idx="1"/>
-          </p:nvPr>
-        </p:nvSpPr>
-        <p:spPr>
-          <a:xfrm>
-            <a:off x="5183188" y="987425"/>
-            <a:ext cx="6172200" cy="4873625"/>
-          </a:xfrm>
-        </p:spPr>
-        <p:txBody>
-          <a:bodyPr/>
-          <a:lstStyle>
-            <a:lvl1pPr>
-              <a:defRPr sz="3200"/>
-            </a:lvl1pPr>
-            <a:lvl2pPr>
-              <a:defRPr sz="2800"/>
-            </a:lvl2pPr>
-            <a:lvl3pPr>
-              <a:defRPr sz="2400"/>
-            </a:lvl3pPr>
-            <a:lvl4pPr>
-              <a:defRPr sz="2000"/>
-            </a:lvl4pPr>
-            <a:lvl5pPr>
-              <a:defRPr sz="2000"/>
-            </a:lvl5pPr>
-            <a:lvl6pPr>
-              <a:defRPr sz="2000"/>
-            </a:lvl6pPr>
-            <a:lvl7pPr>
-              <a:defRPr sz="2000"/>
-            </a:lvl7pPr>
-            <a:lvl8pPr>
-              <a:defRPr sz="2000"/>
-            </a:lvl8pPr>
-            <a:lvl9pPr>
-              <a:defRPr sz="2000"/>
-            </a:lvl9pPr>
-          </a:lstStyle>
-          <a:p>
-            <a:pPr lvl="0"/>
-            <a:r>
-              <a:rPr lang="en-US" smtClean="0"/>
-              <a:t>Click to edit Master text styles</a:t>
-            </a:r>
-          </a:p>
-          <a:p>
-            <a:pPr lvl="1"/>
-            <a:r>
-              <a:rPr lang="en-US" smtClean="0"/>
-              <a:t>Second level</a:t>
-            </a:r>
-          </a:p>
-          <a:p>
-            <a:pPr lvl="2"/>
-            <a:r>
-              <a:rPr lang="en-US" smtClean="0"/>
-              <a:t>Third level</a:t>
-            </a:r>
-          </a:p>
-          <a:p>
-            <a:pPr lvl="3"/>
-            <a:r>
-              <a:rPr lang="en-US" smtClean="0"/>
-              <a:t>Fourth level</a:t>
-            </a:r>
-          </a:p>
-          <a:p>
-            <a:pPr lvl="4"/>
-            <a:r>
-              <a:rPr lang="en-US" smtClean="0"/>
-              <a:t>Fifth level</a:t>
-            </a:r>
-            <a:endParaRPr lang="en-US"/>
-          </a:p>
-        </p:txBody>
-      </p:sp>
-      <p:sp>
-        <p:nvSpPr>
-          <p:cNvPr id="4" name="Text Placeholder 3"/>
-          <p:cNvSpPr>
-            <a:spLocks noGrp="1"/>
-          </p:cNvSpPr>
-          <p:nvPr>
-            <p:ph type="body" sz="half" idx="2"/>
-          </p:nvPr>
-        </p:nvSpPr>
-        <p:spPr>
-          <a:xfrm>
-            <a:off x="839788" y="2057400"/>
-            <a:ext cx="3932237" cy="3811588"/>
-          </a:xfrm>
-        </p:spPr>
-        <p:txBody>
-          <a:bodyPr/>
-          <a:lstStyle>
-            <a:lvl1pPr marL="0" indent="0">
-              <a:buNone/>
-              <a:defRPr sz="1600"/>
-            </a:lvl1pPr>
-            <a:lvl2pPr marL="457200" indent="0">
-              <a:buNone/>
-              <a:defRPr sz="1400"/>
-            </a:lvl2pPr>
-            <a:lvl3pPr marL="914400" indent="0">
-              <a:buNone/>
-              <a:defRPr sz="1200"/>
-            </a:lvl3pPr>
-            <a:lvl4pPr marL="1371600" indent="0">
-              <a:buNone/>
-              <a:defRPr sz="1000"/>
-            </a:lvl4pPr>
-            <a:lvl5pPr marL="1828800" indent="0">
-              <a:buNone/>
-              <a:defRPr sz="1000"/>
-            </a:lvl5pPr>
-            <a:lvl6pPr marL="2286000" indent="0">
-              <a:buNone/>
-              <a:defRPr sz="1000"/>
-            </a:lvl6pPr>
-            <a:lvl7pPr marL="2743200" indent="0">
-              <a:buNone/>
-              <a:defRPr sz="1000"/>
-            </a:lvl7pPr>
-            <a:lvl8pPr marL="3200400" indent="0">
-              <a:buNone/>
-              <a:defRPr sz="1000"/>
-            </a:lvl8pPr>
-            <a:lvl9pPr marL="3657600" indent="0">
-              <a:buNone/>
-              <a:defRPr sz="1000"/>
-            </a:lvl9pPr>
-          </a:lstStyle>
-          <a:p>
-            <a:pPr lvl="0"/>
-            <a:r>
-              <a:rPr lang="en-US" smtClean="0"/>
-              <a:t>Click to edit Master text styles</a:t>
-            </a:r>
-          </a:p>
-        </p:txBody>
-      </p:sp>
-      <p:sp>
-        <p:nvSpPr>
-          <p:cNvPr id="5" name="Date Placeholder 4"/>
-          <p:cNvSpPr>
-            <a:spLocks noGrp="1"/>
-          </p:cNvSpPr>
-          <p:nvPr>
-            <p:ph type="dt" sz="half" idx="10"/>
-          </p:nvPr>
-        </p:nvSpPr>
-        <p:spPr/>
-        <p:txBody>
-          <a:bodyPr/>
-          <a:lstStyle/>
-          <a:p>
-            <a:endParaRPr lang="en-US"/>
-          </a:p>
-        </p:txBody>
-      </p:sp>
-      <p:sp>
-        <p:nvSpPr>
-          <p:cNvPr id="6" name="Footer Placeholder 5"/>
-          <p:cNvSpPr>
-            <a:spLocks noGrp="1"/>
-          </p:cNvSpPr>
-          <p:nvPr>
-            <p:ph type="ftr" sz="quarter" idx="11"/>
-          </p:nvPr>
-        </p:nvSpPr>
-        <p:spPr/>
-        <p:txBody>
-          <a:bodyPr/>
-          <a:lstStyle/>
-          <a:p>
-            <a:r>
-              <a:rPr lang="en-US" smtClean="0"/>
-              <a:t>https://github.com/StoneyJackson/git-ccscne-2016</a:t>
-            </a:r>
-            <a:endParaRPr lang="en-US"/>
-          </a:p>
-        </p:txBody>
-      </p:sp>
-      <p:sp>
-        <p:nvSpPr>
-          <p:cNvPr id="7" name="Slide Number Placeholder 6"/>
-          <p:cNvSpPr>
-            <a:spLocks noGrp="1"/>
-          </p:cNvSpPr>
-          <p:nvPr>
-            <p:ph type="sldNum" sz="quarter" idx="12"/>
-          </p:nvPr>
-        </p:nvSpPr>
-        <p:spPr/>
-        <p:txBody>
-          <a:bodyPr/>
-          <a:lstStyle/>
-          <a:p>
-            <a:fld id="{678F8F6E-5A8E-4E85-A435-8315B0AC7956}" type="slidenum">
-              <a:rPr lang="en-US" smtClean="0"/>
-              <a:t>‹#›</a:t>
-            </a:fld>
-            <a:endParaRPr lang="en-US"/>
-          </a:p>
-        </p:txBody>
-      </p:sp>
-    </p:spTree>
-    <p:extLst>
-      <p:ext uri="{BB962C8B-B14F-4D97-AF65-F5344CB8AC3E}">
-        <p14:creationId xmlns:p14="http://schemas.microsoft.com/office/powerpoint/2010/main" val="1870282911"/>
-      </p:ext>
-    </p:extLst>
-  </p:cSld>
-  <p:clrMapOvr>
-    <a:masterClrMapping/>
-  </p:clrMapOvr>
-</p:sldLayout>
-</file>
-
-<file path=ppt/slideLayouts/slideLayout21.xml><?xml version="1.0" encoding="utf-8"?>
-<p:sldLayout xmlns:a="http://schemas.openxmlformats.org/drawingml/2006/main" xmlns:r="http://schemas.openxmlformats.org/officeDocument/2006/relationships" xmlns:p="http://schemas.openxmlformats.org/presentationml/2006/main" type="picTx" preserve="1">
-  <p:cSld name="Picture with Caption">
-    <p:spTree>
-      <p:nvGrpSpPr>
-        <p:cNvPr id="1" name=""/>
-        <p:cNvGrpSpPr/>
-        <p:nvPr/>
-      </p:nvGrpSpPr>
-      <p:grpSpPr>
-        <a:xfrm>
-          <a:off x="0" y="0"/>
-          <a:ext cx="0" cy="0"/>
-          <a:chOff x="0" y="0"/>
-          <a:chExt cx="0" cy="0"/>
-        </a:xfrm>
-      </p:grpSpPr>
-      <p:sp>
-        <p:nvSpPr>
-          <p:cNvPr id="2" name="Title 1"/>
-          <p:cNvSpPr>
-            <a:spLocks noGrp="1"/>
-          </p:cNvSpPr>
-          <p:nvPr>
-            <p:ph type="title"/>
-          </p:nvPr>
-        </p:nvSpPr>
-        <p:spPr>
-          <a:xfrm>
-            <a:off x="839788" y="457200"/>
-            <a:ext cx="3932237" cy="1600200"/>
-          </a:xfrm>
-        </p:spPr>
-        <p:txBody>
-          <a:bodyPr anchor="b"/>
-          <a:lstStyle>
-            <a:lvl1pPr>
-              <a:defRPr sz="3200"/>
-            </a:lvl1pPr>
-          </a:lstStyle>
-          <a:p>
-            <a:r>
-              <a:rPr lang="en-US" smtClean="0"/>
-              <a:t>Click to edit Master title style</a:t>
-            </a:r>
-            <a:endParaRPr lang="en-US"/>
-          </a:p>
-        </p:txBody>
-      </p:sp>
-      <p:sp>
-        <p:nvSpPr>
-          <p:cNvPr id="3" name="Picture Placeholder 2"/>
-          <p:cNvSpPr>
-            <a:spLocks noGrp="1"/>
-          </p:cNvSpPr>
-          <p:nvPr>
-            <p:ph type="pic" idx="1"/>
-          </p:nvPr>
-        </p:nvSpPr>
-        <p:spPr>
-          <a:xfrm>
-            <a:off x="5183188" y="987425"/>
-            <a:ext cx="6172200" cy="4873625"/>
-          </a:xfrm>
-        </p:spPr>
-        <p:txBody>
-          <a:bodyPr/>
-          <a:lstStyle>
-            <a:lvl1pPr marL="0" indent="0">
-              <a:buNone/>
-              <a:defRPr sz="3200"/>
-            </a:lvl1pPr>
-            <a:lvl2pPr marL="457200" indent="0">
-              <a:buNone/>
-              <a:defRPr sz="2800"/>
-            </a:lvl2pPr>
-            <a:lvl3pPr marL="914400" indent="0">
-              <a:buNone/>
-              <a:defRPr sz="2400"/>
-            </a:lvl3pPr>
-            <a:lvl4pPr marL="1371600" indent="0">
-              <a:buNone/>
-              <a:defRPr sz="2000"/>
-            </a:lvl4pPr>
-            <a:lvl5pPr marL="1828800" indent="0">
-              <a:buNone/>
-              <a:defRPr sz="2000"/>
-            </a:lvl5pPr>
-            <a:lvl6pPr marL="2286000" indent="0">
-              <a:buNone/>
-              <a:defRPr sz="2000"/>
-            </a:lvl6pPr>
-            <a:lvl7pPr marL="2743200" indent="0">
-              <a:buNone/>
-              <a:defRPr sz="2000"/>
-            </a:lvl7pPr>
-            <a:lvl8pPr marL="3200400" indent="0">
-              <a:buNone/>
-              <a:defRPr sz="2000"/>
-            </a:lvl8pPr>
-            <a:lvl9pPr marL="3657600" indent="0">
-              <a:buNone/>
-              <a:defRPr sz="2000"/>
-            </a:lvl9pPr>
-          </a:lstStyle>
-          <a:p>
-            <a:endParaRPr lang="en-US"/>
-          </a:p>
-        </p:txBody>
-      </p:sp>
-      <p:sp>
-        <p:nvSpPr>
-          <p:cNvPr id="4" name="Text Placeholder 3"/>
-          <p:cNvSpPr>
-            <a:spLocks noGrp="1"/>
-          </p:cNvSpPr>
-          <p:nvPr>
-            <p:ph type="body" sz="half" idx="2"/>
-          </p:nvPr>
-        </p:nvSpPr>
-        <p:spPr>
-          <a:xfrm>
-            <a:off x="839788" y="2057400"/>
-            <a:ext cx="3932237" cy="3811588"/>
-          </a:xfrm>
-        </p:spPr>
-        <p:txBody>
-          <a:bodyPr/>
-          <a:lstStyle>
-            <a:lvl1pPr marL="0" indent="0">
-              <a:buNone/>
-              <a:defRPr sz="1600"/>
-            </a:lvl1pPr>
-            <a:lvl2pPr marL="457200" indent="0">
-              <a:buNone/>
-              <a:defRPr sz="1400"/>
-            </a:lvl2pPr>
-            <a:lvl3pPr marL="914400" indent="0">
-              <a:buNone/>
-              <a:defRPr sz="1200"/>
-            </a:lvl3pPr>
-            <a:lvl4pPr marL="1371600" indent="0">
-              <a:buNone/>
-              <a:defRPr sz="1000"/>
-            </a:lvl4pPr>
-            <a:lvl5pPr marL="1828800" indent="0">
-              <a:buNone/>
-              <a:defRPr sz="1000"/>
-            </a:lvl5pPr>
-            <a:lvl6pPr marL="2286000" indent="0">
-              <a:buNone/>
-              <a:defRPr sz="1000"/>
-            </a:lvl6pPr>
-            <a:lvl7pPr marL="2743200" indent="0">
-              <a:buNone/>
-              <a:defRPr sz="1000"/>
-            </a:lvl7pPr>
-            <a:lvl8pPr marL="3200400" indent="0">
-              <a:buNone/>
-              <a:defRPr sz="1000"/>
-            </a:lvl8pPr>
-            <a:lvl9pPr marL="3657600" indent="0">
-              <a:buNone/>
-              <a:defRPr sz="1000"/>
-            </a:lvl9pPr>
-          </a:lstStyle>
-          <a:p>
-            <a:pPr lvl="0"/>
-            <a:r>
-              <a:rPr lang="en-US" smtClean="0"/>
-              <a:t>Click to edit Master text styles</a:t>
-            </a:r>
-          </a:p>
-        </p:txBody>
-      </p:sp>
-      <p:sp>
-        <p:nvSpPr>
-          <p:cNvPr id="5" name="Date Placeholder 4"/>
-          <p:cNvSpPr>
-            <a:spLocks noGrp="1"/>
-          </p:cNvSpPr>
-          <p:nvPr>
-            <p:ph type="dt" sz="half" idx="10"/>
-          </p:nvPr>
-        </p:nvSpPr>
-        <p:spPr/>
-        <p:txBody>
-          <a:bodyPr/>
-          <a:lstStyle/>
-          <a:p>
-            <a:endParaRPr lang="en-US"/>
-          </a:p>
-        </p:txBody>
-      </p:sp>
-      <p:sp>
-        <p:nvSpPr>
-          <p:cNvPr id="6" name="Footer Placeholder 5"/>
-          <p:cNvSpPr>
-            <a:spLocks noGrp="1"/>
-          </p:cNvSpPr>
-          <p:nvPr>
-            <p:ph type="ftr" sz="quarter" idx="11"/>
-          </p:nvPr>
-        </p:nvSpPr>
-        <p:spPr/>
-        <p:txBody>
-          <a:bodyPr/>
-          <a:lstStyle/>
-          <a:p>
-            <a:r>
-              <a:rPr lang="en-US" smtClean="0"/>
-              <a:t>https://github.com/StoneyJackson/git-ccscne-2016</a:t>
-            </a:r>
-            <a:endParaRPr lang="en-US"/>
-          </a:p>
-        </p:txBody>
-      </p:sp>
-      <p:sp>
-        <p:nvSpPr>
-          <p:cNvPr id="7" name="Slide Number Placeholder 6"/>
-          <p:cNvSpPr>
-            <a:spLocks noGrp="1"/>
-          </p:cNvSpPr>
-          <p:nvPr>
-            <p:ph type="sldNum" sz="quarter" idx="12"/>
-          </p:nvPr>
-        </p:nvSpPr>
-        <p:spPr/>
-        <p:txBody>
-          <a:bodyPr/>
-          <a:lstStyle/>
-          <a:p>
-            <a:fld id="{678F8F6E-5A8E-4E85-A435-8315B0AC7956}" type="slidenum">
-              <a:rPr lang="en-US" smtClean="0"/>
-              <a:t>‹#›</a:t>
-            </a:fld>
-            <a:endParaRPr lang="en-US"/>
-          </a:p>
-        </p:txBody>
-      </p:sp>
-    </p:spTree>
-    <p:extLst>
-      <p:ext uri="{BB962C8B-B14F-4D97-AF65-F5344CB8AC3E}">
-        <p14:creationId xmlns:p14="http://schemas.microsoft.com/office/powerpoint/2010/main" val="2188326554"/>
-      </p:ext>
-    </p:extLst>
-  </p:cSld>
-  <p:clrMapOvr>
-    <a:masterClrMapping/>
-  </p:clrMapOvr>
-</p:sldLayout>
-</file>
-
-<file path=ppt/slideLayouts/slideLayout22.xml><?xml version="1.0" encoding="utf-8"?>
-<p:sldLayout xmlns:a="http://schemas.openxmlformats.org/drawingml/2006/main" xmlns:r="http://schemas.openxmlformats.org/officeDocument/2006/relationships" xmlns:p="http://schemas.openxmlformats.org/presentationml/2006/main" type="vertTx" preserve="1">
-  <p:cSld name="Title and Vertical Text">
-    <p:spTree>
-      <p:nvGrpSpPr>
-        <p:cNvPr id="1" name=""/>
-        <p:cNvGrpSpPr/>
-        <p:nvPr/>
-      </p:nvGrpSpPr>
-      <p:grpSpPr>
-        <a:xfrm>
-          <a:off x="0" y="0"/>
-          <a:ext cx="0" cy="0"/>
-          <a:chOff x="0" y="0"/>
-          <a:chExt cx="0" cy="0"/>
-        </a:xfrm>
-      </p:grpSpPr>
-      <p:sp>
-        <p:nvSpPr>
-          <p:cNvPr id="2" name="Title 1"/>
-          <p:cNvSpPr>
-            <a:spLocks noGrp="1"/>
-          </p:cNvSpPr>
-          <p:nvPr>
-            <p:ph type="title"/>
-          </p:nvPr>
-        </p:nvSpPr>
-        <p:spPr/>
-        <p:txBody>
-          <a:bodyPr/>
-          <a:lstStyle/>
-          <a:p>
-            <a:r>
-              <a:rPr lang="en-US" smtClean="0"/>
-              <a:t>Click to edit Master title style</a:t>
-            </a:r>
-            <a:endParaRPr lang="en-US"/>
-          </a:p>
-        </p:txBody>
-      </p:sp>
-      <p:sp>
-        <p:nvSpPr>
-          <p:cNvPr id="3" name="Vertical Text Placeholder 2"/>
-          <p:cNvSpPr>
-            <a:spLocks noGrp="1"/>
-          </p:cNvSpPr>
-          <p:nvPr>
-            <p:ph type="body" orient="vert" idx="1"/>
-          </p:nvPr>
-        </p:nvSpPr>
-        <p:spPr/>
-        <p:txBody>
-          <a:bodyPr vert="eaVert"/>
-          <a:lstStyle/>
-          <a:p>
-            <a:pPr lvl="0"/>
-            <a:r>
-              <a:rPr lang="en-US" smtClean="0"/>
-              <a:t>Click to edit Master text styles</a:t>
-            </a:r>
-          </a:p>
-          <a:p>
-            <a:pPr lvl="1"/>
-            <a:r>
-              <a:rPr lang="en-US" smtClean="0"/>
-              <a:t>Second level</a:t>
-            </a:r>
-          </a:p>
-          <a:p>
-            <a:pPr lvl="2"/>
-            <a:r>
-              <a:rPr lang="en-US" smtClean="0"/>
-              <a:t>Third level</a:t>
-            </a:r>
-          </a:p>
-          <a:p>
-            <a:pPr lvl="3"/>
-            <a:r>
-              <a:rPr lang="en-US" smtClean="0"/>
-              <a:t>Fourth level</a:t>
-            </a:r>
-          </a:p>
-          <a:p>
-            <a:pPr lvl="4"/>
-            <a:r>
-              <a:rPr lang="en-US" smtClean="0"/>
-              <a:t>Fifth level</a:t>
-            </a:r>
-            <a:endParaRPr lang="en-US"/>
-          </a:p>
-        </p:txBody>
-      </p:sp>
-      <p:sp>
-        <p:nvSpPr>
-          <p:cNvPr id="4" name="Date Placeholder 3"/>
-          <p:cNvSpPr>
-            <a:spLocks noGrp="1"/>
-          </p:cNvSpPr>
-          <p:nvPr>
-            <p:ph type="dt" sz="half" idx="10"/>
-          </p:nvPr>
-        </p:nvSpPr>
-        <p:spPr/>
-        <p:txBody>
-          <a:bodyPr/>
-          <a:lstStyle/>
-          <a:p>
-            <a:endParaRPr lang="en-US"/>
-          </a:p>
-        </p:txBody>
-      </p:sp>
-      <p:sp>
-        <p:nvSpPr>
-          <p:cNvPr id="5" name="Footer Placeholder 4"/>
-          <p:cNvSpPr>
-            <a:spLocks noGrp="1"/>
-          </p:cNvSpPr>
-          <p:nvPr>
-            <p:ph type="ftr" sz="quarter" idx="11"/>
-          </p:nvPr>
-        </p:nvSpPr>
-        <p:spPr/>
-        <p:txBody>
-          <a:bodyPr/>
-          <a:lstStyle/>
-          <a:p>
-            <a:r>
-              <a:rPr lang="en-US" smtClean="0"/>
-              <a:t>https://github.com/StoneyJackson/git-ccscne-2016</a:t>
-            </a:r>
-            <a:endParaRPr lang="en-US"/>
-          </a:p>
-        </p:txBody>
-      </p:sp>
-      <p:sp>
-        <p:nvSpPr>
-          <p:cNvPr id="6" name="Slide Number Placeholder 5"/>
-          <p:cNvSpPr>
-            <a:spLocks noGrp="1"/>
-          </p:cNvSpPr>
-          <p:nvPr>
-            <p:ph type="sldNum" sz="quarter" idx="12"/>
-          </p:nvPr>
-        </p:nvSpPr>
-        <p:spPr/>
-        <p:txBody>
-          <a:bodyPr/>
-          <a:lstStyle/>
-          <a:p>
-            <a:fld id="{678F8F6E-5A8E-4E85-A435-8315B0AC7956}" type="slidenum">
-              <a:rPr lang="en-US" smtClean="0"/>
-              <a:t>‹#›</a:t>
-            </a:fld>
-            <a:endParaRPr lang="en-US"/>
-          </a:p>
-        </p:txBody>
-      </p:sp>
-    </p:spTree>
-    <p:extLst>
-      <p:ext uri="{BB962C8B-B14F-4D97-AF65-F5344CB8AC3E}">
-        <p14:creationId xmlns:p14="http://schemas.microsoft.com/office/powerpoint/2010/main" val="701375010"/>
-      </p:ext>
-    </p:extLst>
-  </p:cSld>
-  <p:clrMapOvr>
-    <a:masterClrMapping/>
-  </p:clrMapOvr>
-</p:sldLayout>
-</file>
-
-<file path=ppt/slideLayouts/slideLayout23.xml><?xml version="1.0" encoding="utf-8"?>
-<p:sldLayout xmlns:a="http://schemas.openxmlformats.org/drawingml/2006/main" xmlns:r="http://schemas.openxmlformats.org/officeDocument/2006/relationships" xmlns:p="http://schemas.openxmlformats.org/presentationml/2006/main" type="vertTitleAndTx" preserve="1">
-  <p:cSld name="Vertical Title and Text">
-    <p:spTree>
-      <p:nvGrpSpPr>
-        <p:cNvPr id="1" name=""/>
-        <p:cNvGrpSpPr/>
-        <p:nvPr/>
-      </p:nvGrpSpPr>
-      <p:grpSpPr>
-        <a:xfrm>
-          <a:off x="0" y="0"/>
-          <a:ext cx="0" cy="0"/>
-          <a:chOff x="0" y="0"/>
-          <a:chExt cx="0" cy="0"/>
-        </a:xfrm>
-      </p:grpSpPr>
-      <p:sp>
-        <p:nvSpPr>
-          <p:cNvPr id="2" name="Vertical Title 1"/>
-          <p:cNvSpPr>
-            <a:spLocks noGrp="1"/>
-          </p:cNvSpPr>
-          <p:nvPr>
-            <p:ph type="title" orient="vert"/>
-          </p:nvPr>
-        </p:nvSpPr>
-        <p:spPr>
-          <a:xfrm>
-            <a:off x="8724900" y="365125"/>
-            <a:ext cx="2628900" cy="5811838"/>
-          </a:xfrm>
-        </p:spPr>
-        <p:txBody>
-          <a:bodyPr vert="eaVert"/>
-          <a:lstStyle/>
-          <a:p>
-            <a:r>
-              <a:rPr lang="en-US" smtClean="0"/>
-              <a:t>Click to edit Master title style</a:t>
-            </a:r>
-            <a:endParaRPr lang="en-US"/>
-          </a:p>
-        </p:txBody>
-      </p:sp>
-      <p:sp>
-        <p:nvSpPr>
-          <p:cNvPr id="3" name="Vertical Text Placeholder 2"/>
-          <p:cNvSpPr>
-            <a:spLocks noGrp="1"/>
-          </p:cNvSpPr>
-          <p:nvPr>
-            <p:ph type="body" orient="vert" idx="1"/>
-          </p:nvPr>
-        </p:nvSpPr>
-        <p:spPr>
-          <a:xfrm>
-            <a:off x="838200" y="365125"/>
-            <a:ext cx="7734300" cy="5811838"/>
-          </a:xfrm>
-        </p:spPr>
-        <p:txBody>
-          <a:bodyPr vert="eaVert"/>
-          <a:lstStyle/>
-          <a:p>
-            <a:pPr lvl="0"/>
-            <a:r>
-              <a:rPr lang="en-US" smtClean="0"/>
-              <a:t>Click to edit Master text styles</a:t>
-            </a:r>
-          </a:p>
-          <a:p>
-            <a:pPr lvl="1"/>
-            <a:r>
-              <a:rPr lang="en-US" smtClean="0"/>
-              <a:t>Second level</a:t>
-            </a:r>
-          </a:p>
-          <a:p>
-            <a:pPr lvl="2"/>
-            <a:r>
-              <a:rPr lang="en-US" smtClean="0"/>
-              <a:t>Third level</a:t>
-            </a:r>
-          </a:p>
-          <a:p>
-            <a:pPr lvl="3"/>
-            <a:r>
-              <a:rPr lang="en-US" smtClean="0"/>
-              <a:t>Fourth level</a:t>
-            </a:r>
-          </a:p>
-          <a:p>
-            <a:pPr lvl="4"/>
-            <a:r>
-              <a:rPr lang="en-US" smtClean="0"/>
-              <a:t>Fifth level</a:t>
-            </a:r>
-            <a:endParaRPr lang="en-US"/>
-          </a:p>
-        </p:txBody>
-      </p:sp>
-      <p:sp>
-        <p:nvSpPr>
-          <p:cNvPr id="4" name="Date Placeholder 3"/>
-          <p:cNvSpPr>
-            <a:spLocks noGrp="1"/>
-          </p:cNvSpPr>
-          <p:nvPr>
-            <p:ph type="dt" sz="half" idx="10"/>
-          </p:nvPr>
-        </p:nvSpPr>
-        <p:spPr/>
-        <p:txBody>
-          <a:bodyPr/>
-          <a:lstStyle/>
-          <a:p>
-            <a:endParaRPr lang="en-US"/>
-          </a:p>
-        </p:txBody>
-      </p:sp>
-      <p:sp>
-        <p:nvSpPr>
-          <p:cNvPr id="5" name="Footer Placeholder 4"/>
-          <p:cNvSpPr>
-            <a:spLocks noGrp="1"/>
-          </p:cNvSpPr>
-          <p:nvPr>
-            <p:ph type="ftr" sz="quarter" idx="11"/>
-          </p:nvPr>
-        </p:nvSpPr>
-        <p:spPr/>
-        <p:txBody>
-          <a:bodyPr/>
-          <a:lstStyle/>
-          <a:p>
-            <a:r>
-              <a:rPr lang="en-US" smtClean="0"/>
-              <a:t>https://github.com/StoneyJackson/git-ccscne-2016</a:t>
-            </a:r>
-            <a:endParaRPr lang="en-US"/>
-          </a:p>
-        </p:txBody>
-      </p:sp>
-      <p:sp>
-        <p:nvSpPr>
-          <p:cNvPr id="6" name="Slide Number Placeholder 5"/>
-          <p:cNvSpPr>
-            <a:spLocks noGrp="1"/>
-          </p:cNvSpPr>
-          <p:nvPr>
-            <p:ph type="sldNum" sz="quarter" idx="12"/>
-          </p:nvPr>
-        </p:nvSpPr>
-        <p:spPr/>
-        <p:txBody>
-          <a:bodyPr/>
-          <a:lstStyle/>
-          <a:p>
-            <a:fld id="{678F8F6E-5A8E-4E85-A435-8315B0AC7956}" type="slidenum">
-              <a:rPr lang="en-US" smtClean="0"/>
-              <a:t>‹#›</a:t>
-            </a:fld>
-            <a:endParaRPr lang="en-US"/>
-          </a:p>
-        </p:txBody>
-      </p:sp>
-    </p:spTree>
-    <p:extLst>
-      <p:ext uri="{BB962C8B-B14F-4D97-AF65-F5344CB8AC3E}">
-        <p14:creationId xmlns:p14="http://schemas.microsoft.com/office/powerpoint/2010/main" val="267374466"/>
-      </p:ext>
-    </p:extLst>
-  </p:cSld>
-  <p:clrMapOvr>
-    <a:masterClrMapping/>
-  </p:clrMapOvr>
-</p:sldLayout>
-</file>
-
 <file path=ppt/slideLayouts/slideLayout3.xml><?xml version="1.0" encoding="utf-8"?>
 <p:sldLayout xmlns:a="http://schemas.openxmlformats.org/drawingml/2006/main" xmlns:r="http://schemas.openxmlformats.org/officeDocument/2006/relationships" xmlns:p="http://schemas.openxmlformats.org/presentationml/2006/main" type="secHead" preserve="1">
   <p:cSld name="Section Header">
@@ -4197,6 +1913,10 @@
           <a:bodyPr/>
           <a:lstStyle/>
           <a:p>
+            <a:fld id="{7A03C4B0-F0A3-4BA6-9507-67FC2EED8A98}" type="datetime1">
+              <a:rPr lang="en-US" smtClean="0"/>
+              <a:t>4/29/2016</a:t>
+            </a:fld>
             <a:endParaRPr lang="en-US"/>
           </a:p>
         </p:txBody>
@@ -4436,6 +2156,10 @@
           <a:bodyPr/>
           <a:lstStyle/>
           <a:p>
+            <a:fld id="{9E5C7F82-8054-4214-84B5-500EF282A2AF}" type="datetime1">
+              <a:rPr lang="en-US" smtClean="0"/>
+              <a:t>4/29/2016</a:t>
+            </a:fld>
             <a:endParaRPr lang="en-US"/>
           </a:p>
         </p:txBody>
@@ -4790,6 +2514,10 @@
           <a:bodyPr/>
           <a:lstStyle/>
           <a:p>
+            <a:fld id="{D9331060-26A9-4D3C-AEE4-A1EF515FF4C6}" type="datetime1">
+              <a:rPr lang="en-US" smtClean="0"/>
+              <a:t>4/29/2016</a:t>
+            </a:fld>
             <a:endParaRPr lang="en-US"/>
           </a:p>
         </p:txBody>
@@ -4915,6 +2643,10 @@
           <a:bodyPr/>
           <a:lstStyle/>
           <a:p>
+            <a:fld id="{368A758D-CBF8-489A-AB85-AC8A24295DB2}" type="datetime1">
+              <a:rPr lang="en-US" smtClean="0"/>
+              <a:t>4/29/2016</a:t>
+            </a:fld>
             <a:endParaRPr lang="en-US"/>
           </a:p>
         </p:txBody>
@@ -5040,6 +2772,10 @@
           <a:bodyPr/>
           <a:lstStyle/>
           <a:p>
+            <a:fld id="{5A8F6D89-78FE-4F8E-B0B3-EB7C5E9E02FC}" type="datetime1">
+              <a:rPr lang="en-US" smtClean="0"/>
+              <a:t>4/29/2016</a:t>
+            </a:fld>
             <a:endParaRPr lang="en-US"/>
           </a:p>
         </p:txBody>
@@ -5331,6 +3067,10 @@
           <a:bodyPr/>
           <a:lstStyle/>
           <a:p>
+            <a:fld id="{87B67E50-62A1-453F-B018-13F3A0FBDACC}" type="datetime1">
+              <a:rPr lang="en-US" smtClean="0"/>
+              <a:t>4/29/2016</a:t>
+            </a:fld>
             <a:endParaRPr lang="en-US"/>
           </a:p>
         </p:txBody>
@@ -5602,6 +3342,10 @@
           <a:bodyPr/>
           <a:lstStyle/>
           <a:p>
+            <a:fld id="{FDA51D3B-4121-4660-9F6B-57C8E95B1064}" type="datetime1">
+              <a:rPr lang="en-US" smtClean="0"/>
+              <a:t>4/29/2016</a:t>
+            </a:fld>
             <a:endParaRPr lang="en-US"/>
           </a:p>
         </p:txBody>
@@ -5676,9 +3420,15 @@
 <p:sldMaster xmlns:a="http://schemas.openxmlformats.org/drawingml/2006/main" xmlns:r="http://schemas.openxmlformats.org/officeDocument/2006/relationships" xmlns:p="http://schemas.openxmlformats.org/presentationml/2006/main" preserve="1">
   <p:cSld>
     <p:bg>
-      <p:bgRef idx="1001">
-        <a:schemeClr val="bg1"/>
-      </p:bgRef>
+      <p:bgPr>
+        <a:solidFill>
+          <a:schemeClr val="accent1">
+            <a:lumMod val="60000"/>
+            <a:lumOff val="40000"/>
+          </a:schemeClr>
+        </a:solidFill>
+        <a:effectLst/>
+      </p:bgPr>
     </p:bg>
     <p:spTree>
       <p:nvGrpSpPr>
@@ -5823,6 +3573,10 @@
             </a:lvl1pPr>
           </a:lstStyle>
           <a:p>
+            <a:fld id="{1B7E2B5A-9A4E-410A-AC2D-EDE989808C4A}" type="datetime1">
+              <a:rPr lang="en-US" smtClean="0"/>
+              <a:t>4/29/2016</a:t>
+            </a:fld>
             <a:endParaRPr lang="en-US"/>
           </a:p>
         </p:txBody>
@@ -5850,7 +3604,7 @@
           <a:bodyPr vert="horz" lIns="91440" tIns="45720" rIns="91440" bIns="45720" rtlCol="0" anchor="ctr"/>
           <a:lstStyle>
             <a:lvl1pPr algn="ctr">
-              <a:defRPr sz="1100">
+              <a:defRPr sz="1400">
                 <a:solidFill>
                   <a:schemeClr val="tx1">
                     <a:lumMod val="65000"/>
@@ -5862,10 +3616,10 @@
           </a:lstStyle>
           <a:p>
             <a:r>
-              <a:rPr lang="en-US" smtClean="0"/>
+              <a:rPr lang="en-US" dirty="0" smtClean="0"/>
               <a:t>https://github.com/StoneyJackson/git-ccscne-2016</a:t>
             </a:r>
-            <a:endParaRPr lang="en-US"/>
+            <a:endParaRPr lang="en-US" dirty="0"/>
           </a:p>
         </p:txBody>
       </p:sp>
@@ -5912,27 +3666,21 @@
       </p:sp>
       <p:pic>
         <p:nvPicPr>
-          <p:cNvPr id="7" name="Picture 6"/>
+          <p:cNvPr id="8" name="Picture 7"/>
           <p:cNvPicPr>
             <a:picLocks noChangeAspect="1"/>
           </p:cNvPicPr>
           <p:nvPr userDrawn="1"/>
         </p:nvPicPr>
         <p:blipFill>
-          <a:blip r:embed="rId14">
-            <a:extLst>
-              <a:ext uri="{28A0092B-C50C-407E-A947-70E740481C1C}">
-                <a14:useLocalDpi xmlns:a14="http://schemas.microsoft.com/office/drawing/2010/main" val="0"/>
-              </a:ext>
-            </a:extLst>
-          </a:blip>
+          <a:blip r:embed="rId14"/>
           <a:stretch>
             <a:fillRect/>
           </a:stretch>
         </p:blipFill>
         <p:spPr>
           <a:xfrm>
-            <a:off x="11353800" y="6538912"/>
+            <a:off x="11353800" y="6562725"/>
             <a:ext cx="838200" cy="295275"/>
           </a:xfrm>
           <a:prstGeom prst="rect">
@@ -5969,7 +3717,7 @@
       </p:par>
     </p:tnLst>
   </p:timing>
-  <p:hf sldNum="0" hdr="0" ftr="0" dt="0"/>
+  <p:hf sldNum="0" hdr="0" dt="0"/>
   <p:txStyles>
     <p:titleStyle>
       <a:lvl1pPr algn="l" defTabSz="914400" rtl="0" eaLnBrk="1" latinLnBrk="0" hangingPunct="1">
@@ -6241,577 +3989,6 @@
 </p:sldMaster>
 </file>
 
-<file path=ppt/slideMasters/slideMaster2.xml><?xml version="1.0" encoding="utf-8"?>
-<p:sldMaster xmlns:a="http://schemas.openxmlformats.org/drawingml/2006/main" xmlns:r="http://schemas.openxmlformats.org/officeDocument/2006/relationships" xmlns:p="http://schemas.openxmlformats.org/presentationml/2006/main">
-  <p:cSld>
-    <p:bg>
-      <p:bgRef idx="1001">
-        <a:schemeClr val="bg1"/>
-      </p:bgRef>
-    </p:bg>
-    <p:spTree>
-      <p:nvGrpSpPr>
-        <p:cNvPr id="1" name=""/>
-        <p:cNvGrpSpPr/>
-        <p:nvPr/>
-      </p:nvGrpSpPr>
-      <p:grpSpPr>
-        <a:xfrm>
-          <a:off x="0" y="0"/>
-          <a:ext cx="0" cy="0"/>
-          <a:chOff x="0" y="0"/>
-          <a:chExt cx="0" cy="0"/>
-        </a:xfrm>
-      </p:grpSpPr>
-      <p:sp>
-        <p:nvSpPr>
-          <p:cNvPr id="2" name="Title Placeholder 1"/>
-          <p:cNvSpPr>
-            <a:spLocks noGrp="1"/>
-          </p:cNvSpPr>
-          <p:nvPr>
-            <p:ph type="title"/>
-          </p:nvPr>
-        </p:nvSpPr>
-        <p:spPr>
-          <a:xfrm>
-            <a:off x="838200" y="365125"/>
-            <a:ext cx="10515600" cy="1325563"/>
-          </a:xfrm>
-          <a:prstGeom prst="rect">
-            <a:avLst/>
-          </a:prstGeom>
-        </p:spPr>
-        <p:txBody>
-          <a:bodyPr vert="horz" lIns="91440" tIns="45720" rIns="91440" bIns="45720" rtlCol="0" anchor="ctr">
-            <a:normAutofit/>
-          </a:bodyPr>
-          <a:lstStyle/>
-          <a:p>
-            <a:r>
-              <a:rPr lang="en-US" smtClean="0"/>
-              <a:t>Click to edit Master title style</a:t>
-            </a:r>
-            <a:endParaRPr lang="en-US"/>
-          </a:p>
-        </p:txBody>
-      </p:sp>
-      <p:sp>
-        <p:nvSpPr>
-          <p:cNvPr id="3" name="Text Placeholder 2"/>
-          <p:cNvSpPr>
-            <a:spLocks noGrp="1"/>
-          </p:cNvSpPr>
-          <p:nvPr>
-            <p:ph type="body" idx="1"/>
-          </p:nvPr>
-        </p:nvSpPr>
-        <p:spPr>
-          <a:xfrm>
-            <a:off x="838200" y="1825625"/>
-            <a:ext cx="10515600" cy="4351338"/>
-          </a:xfrm>
-          <a:prstGeom prst="rect">
-            <a:avLst/>
-          </a:prstGeom>
-        </p:spPr>
-        <p:txBody>
-          <a:bodyPr vert="horz" lIns="91440" tIns="45720" rIns="91440" bIns="45720" rtlCol="0">
-            <a:normAutofit/>
-          </a:bodyPr>
-          <a:lstStyle/>
-          <a:p>
-            <a:pPr lvl="0"/>
-            <a:r>
-              <a:rPr lang="en-US" smtClean="0"/>
-              <a:t>Click to edit Master text styles</a:t>
-            </a:r>
-          </a:p>
-          <a:p>
-            <a:pPr lvl="1"/>
-            <a:r>
-              <a:rPr lang="en-US" smtClean="0"/>
-              <a:t>Second level</a:t>
-            </a:r>
-          </a:p>
-          <a:p>
-            <a:pPr lvl="2"/>
-            <a:r>
-              <a:rPr lang="en-US" smtClean="0"/>
-              <a:t>Third level</a:t>
-            </a:r>
-          </a:p>
-          <a:p>
-            <a:pPr lvl="3"/>
-            <a:r>
-              <a:rPr lang="en-US" smtClean="0"/>
-              <a:t>Fourth level</a:t>
-            </a:r>
-          </a:p>
-          <a:p>
-            <a:pPr lvl="4"/>
-            <a:r>
-              <a:rPr lang="en-US" smtClean="0"/>
-              <a:t>Fifth level</a:t>
-            </a:r>
-            <a:endParaRPr lang="en-US"/>
-          </a:p>
-        </p:txBody>
-      </p:sp>
-      <p:sp>
-        <p:nvSpPr>
-          <p:cNvPr id="4" name="Date Placeholder 3"/>
-          <p:cNvSpPr>
-            <a:spLocks noGrp="1"/>
-          </p:cNvSpPr>
-          <p:nvPr>
-            <p:ph type="dt" sz="half" idx="2"/>
-          </p:nvPr>
-        </p:nvSpPr>
-        <p:spPr>
-          <a:xfrm>
-            <a:off x="838200" y="6356350"/>
-            <a:ext cx="2743200" cy="365125"/>
-          </a:xfrm>
-          <a:prstGeom prst="rect">
-            <a:avLst/>
-          </a:prstGeom>
-        </p:spPr>
-        <p:txBody>
-          <a:bodyPr vert="horz" lIns="91440" tIns="45720" rIns="91440" bIns="45720" rtlCol="0" anchor="ctr"/>
-          <a:lstStyle>
-            <a:lvl1pPr algn="l">
-              <a:defRPr sz="1200">
-                <a:solidFill>
-                  <a:schemeClr val="tx1">
-                    <a:tint val="75000"/>
-                  </a:schemeClr>
-                </a:solidFill>
-              </a:defRPr>
-            </a:lvl1pPr>
-          </a:lstStyle>
-          <a:p>
-            <a:endParaRPr lang="en-US"/>
-          </a:p>
-        </p:txBody>
-      </p:sp>
-      <p:sp>
-        <p:nvSpPr>
-          <p:cNvPr id="5" name="Footer Placeholder 4"/>
-          <p:cNvSpPr>
-            <a:spLocks noGrp="1"/>
-          </p:cNvSpPr>
-          <p:nvPr>
-            <p:ph type="ftr" sz="quarter" idx="3"/>
-          </p:nvPr>
-        </p:nvSpPr>
-        <p:spPr>
-          <a:xfrm>
-            <a:off x="4038600" y="6356350"/>
-            <a:ext cx="4114800" cy="365125"/>
-          </a:xfrm>
-          <a:prstGeom prst="rect">
-            <a:avLst/>
-          </a:prstGeom>
-        </p:spPr>
-        <p:txBody>
-          <a:bodyPr vert="horz" lIns="91440" tIns="45720" rIns="91440" bIns="45720" rtlCol="0" anchor="ctr"/>
-          <a:lstStyle>
-            <a:lvl1pPr algn="ctr">
-              <a:defRPr sz="1200">
-                <a:solidFill>
-                  <a:schemeClr val="tx1">
-                    <a:tint val="75000"/>
-                  </a:schemeClr>
-                </a:solidFill>
-              </a:defRPr>
-            </a:lvl1pPr>
-          </a:lstStyle>
-          <a:p>
-            <a:r>
-              <a:rPr lang="en-US" smtClean="0"/>
-              <a:t>https://github.com/StoneyJackson/git-ccscne-2016</a:t>
-            </a:r>
-            <a:endParaRPr lang="en-US"/>
-          </a:p>
-        </p:txBody>
-      </p:sp>
-      <p:sp>
-        <p:nvSpPr>
-          <p:cNvPr id="6" name="Slide Number Placeholder 5"/>
-          <p:cNvSpPr>
-            <a:spLocks noGrp="1"/>
-          </p:cNvSpPr>
-          <p:nvPr>
-            <p:ph type="sldNum" sz="quarter" idx="4"/>
-          </p:nvPr>
-        </p:nvSpPr>
-        <p:spPr>
-          <a:xfrm>
-            <a:off x="8610600" y="6356350"/>
-            <a:ext cx="2743200" cy="365125"/>
-          </a:xfrm>
-          <a:prstGeom prst="rect">
-            <a:avLst/>
-          </a:prstGeom>
-        </p:spPr>
-        <p:txBody>
-          <a:bodyPr vert="horz" lIns="91440" tIns="45720" rIns="91440" bIns="45720" rtlCol="0" anchor="ctr"/>
-          <a:lstStyle>
-            <a:lvl1pPr algn="r">
-              <a:defRPr sz="1200">
-                <a:solidFill>
-                  <a:schemeClr val="tx1">
-                    <a:tint val="75000"/>
-                  </a:schemeClr>
-                </a:solidFill>
-              </a:defRPr>
-            </a:lvl1pPr>
-          </a:lstStyle>
-          <a:p>
-            <a:fld id="{678F8F6E-5A8E-4E85-A435-8315B0AC7956}" type="slidenum">
-              <a:rPr lang="en-US" smtClean="0"/>
-              <a:t>‹#›</a:t>
-            </a:fld>
-            <a:endParaRPr lang="en-US"/>
-          </a:p>
-        </p:txBody>
-      </p:sp>
-      <p:pic>
-        <p:nvPicPr>
-          <p:cNvPr id="7" name="Picture 6"/>
-          <p:cNvPicPr>
-            <a:picLocks noChangeAspect="1"/>
-          </p:cNvPicPr>
-          <p:nvPr userDrawn="1"/>
-        </p:nvPicPr>
-        <p:blipFill>
-          <a:blip r:embed="rId13">
-            <a:extLst>
-              <a:ext uri="{28A0092B-C50C-407E-A947-70E740481C1C}">
-                <a14:useLocalDpi xmlns:a14="http://schemas.microsoft.com/office/drawing/2010/main" val="0"/>
-              </a:ext>
-            </a:extLst>
-          </a:blip>
-          <a:stretch>
-            <a:fillRect/>
-          </a:stretch>
-        </p:blipFill>
-        <p:spPr>
-          <a:xfrm>
-            <a:off x="11353800" y="6538912"/>
-            <a:ext cx="838200" cy="295275"/>
-          </a:xfrm>
-          <a:prstGeom prst="rect">
-            <a:avLst/>
-          </a:prstGeom>
-        </p:spPr>
-      </p:pic>
-    </p:spTree>
-    <p:extLst>
-      <p:ext uri="{BB962C8B-B14F-4D97-AF65-F5344CB8AC3E}">
-        <p14:creationId xmlns:p14="http://schemas.microsoft.com/office/powerpoint/2010/main" val="313679575"/>
-      </p:ext>
-    </p:extLst>
-  </p:cSld>
-  <p:clrMap bg1="lt1" tx1="dk1" bg2="lt2" tx2="dk2" accent1="accent1" accent2="accent2" accent3="accent3" accent4="accent4" accent5="accent5" accent6="accent6" hlink="hlink" folHlink="folHlink"/>
-  <p:sldLayoutIdLst>
-    <p:sldLayoutId id="2147483835" r:id="rId1"/>
-    <p:sldLayoutId id="2147483836" r:id="rId2"/>
-    <p:sldLayoutId id="2147483837" r:id="rId3"/>
-    <p:sldLayoutId id="2147483838" r:id="rId4"/>
-    <p:sldLayoutId id="2147483839" r:id="rId5"/>
-    <p:sldLayoutId id="2147483840" r:id="rId6"/>
-    <p:sldLayoutId id="2147483841" r:id="rId7"/>
-    <p:sldLayoutId id="2147483842" r:id="rId8"/>
-    <p:sldLayoutId id="2147483843" r:id="rId9"/>
-    <p:sldLayoutId id="2147483844" r:id="rId10"/>
-    <p:sldLayoutId id="2147483845" r:id="rId11"/>
-  </p:sldLayoutIdLst>
-  <p:hf sldNum="0" hdr="0" ftr="0" dt="0"/>
-  <p:txStyles>
-    <p:titleStyle>
-      <a:lvl1pPr algn="l" defTabSz="914400" rtl="0" eaLnBrk="1" latinLnBrk="0" hangingPunct="1">
-        <a:lnSpc>
-          <a:spcPct val="90000"/>
-        </a:lnSpc>
-        <a:spcBef>
-          <a:spcPct val="0"/>
-        </a:spcBef>
-        <a:buNone/>
-        <a:defRPr sz="4400" kern="1200">
-          <a:solidFill>
-            <a:schemeClr val="tx1"/>
-          </a:solidFill>
-          <a:latin typeface="+mj-lt"/>
-          <a:ea typeface="+mj-ea"/>
-          <a:cs typeface="+mj-cs"/>
-        </a:defRPr>
-      </a:lvl1pPr>
-    </p:titleStyle>
-    <p:bodyStyle>
-      <a:lvl1pPr marL="228600" indent="-228600" algn="l" defTabSz="914400" rtl="0" eaLnBrk="1" latinLnBrk="0" hangingPunct="1">
-        <a:lnSpc>
-          <a:spcPct val="90000"/>
-        </a:lnSpc>
-        <a:spcBef>
-          <a:spcPts val="1000"/>
-        </a:spcBef>
-        <a:buFont typeface="Arial" panose="020B0604020202020204" pitchFamily="34" charset="0"/>
-        <a:buChar char="•"/>
-        <a:defRPr sz="2800" kern="1200">
-          <a:solidFill>
-            <a:schemeClr val="tx1"/>
-          </a:solidFill>
-          <a:latin typeface="+mn-lt"/>
-          <a:ea typeface="+mn-ea"/>
-          <a:cs typeface="+mn-cs"/>
-        </a:defRPr>
-      </a:lvl1pPr>
-      <a:lvl2pPr marL="685800" indent="-228600" algn="l" defTabSz="914400" rtl="0" eaLnBrk="1" latinLnBrk="0" hangingPunct="1">
-        <a:lnSpc>
-          <a:spcPct val="90000"/>
-        </a:lnSpc>
-        <a:spcBef>
-          <a:spcPts val="500"/>
-        </a:spcBef>
-        <a:buFont typeface="Arial" panose="020B0604020202020204" pitchFamily="34" charset="0"/>
-        <a:buChar char="•"/>
-        <a:defRPr sz="2400" kern="1200">
-          <a:solidFill>
-            <a:schemeClr val="tx1"/>
-          </a:solidFill>
-          <a:latin typeface="+mn-lt"/>
-          <a:ea typeface="+mn-ea"/>
-          <a:cs typeface="+mn-cs"/>
-        </a:defRPr>
-      </a:lvl2pPr>
-      <a:lvl3pPr marL="1143000" indent="-228600" algn="l" defTabSz="914400" rtl="0" eaLnBrk="1" latinLnBrk="0" hangingPunct="1">
-        <a:lnSpc>
-          <a:spcPct val="90000"/>
-        </a:lnSpc>
-        <a:spcBef>
-          <a:spcPts val="500"/>
-        </a:spcBef>
-        <a:buFont typeface="Arial" panose="020B0604020202020204" pitchFamily="34" charset="0"/>
-        <a:buChar char="•"/>
-        <a:defRPr sz="2000" kern="1200">
-          <a:solidFill>
-            <a:schemeClr val="tx1"/>
-          </a:solidFill>
-          <a:latin typeface="+mn-lt"/>
-          <a:ea typeface="+mn-ea"/>
-          <a:cs typeface="+mn-cs"/>
-        </a:defRPr>
-      </a:lvl3pPr>
-      <a:lvl4pPr marL="1600200" indent="-228600" algn="l" defTabSz="914400" rtl="0" eaLnBrk="1" latinLnBrk="0" hangingPunct="1">
-        <a:lnSpc>
-          <a:spcPct val="90000"/>
-        </a:lnSpc>
-        <a:spcBef>
-          <a:spcPts val="500"/>
-        </a:spcBef>
-        <a:buFont typeface="Arial" panose="020B0604020202020204" pitchFamily="34" charset="0"/>
-        <a:buChar char="•"/>
-        <a:defRPr sz="1800" kern="1200">
-          <a:solidFill>
-            <a:schemeClr val="tx1"/>
-          </a:solidFill>
-          <a:latin typeface="+mn-lt"/>
-          <a:ea typeface="+mn-ea"/>
-          <a:cs typeface="+mn-cs"/>
-        </a:defRPr>
-      </a:lvl4pPr>
-      <a:lvl5pPr marL="2057400" indent="-228600" algn="l" defTabSz="914400" rtl="0" eaLnBrk="1" latinLnBrk="0" hangingPunct="1">
-        <a:lnSpc>
-          <a:spcPct val="90000"/>
-        </a:lnSpc>
-        <a:spcBef>
-          <a:spcPts val="500"/>
-        </a:spcBef>
-        <a:buFont typeface="Arial" panose="020B0604020202020204" pitchFamily="34" charset="0"/>
-        <a:buChar char="•"/>
-        <a:defRPr sz="1800" kern="1200">
-          <a:solidFill>
-            <a:schemeClr val="tx1"/>
-          </a:solidFill>
-          <a:latin typeface="+mn-lt"/>
-          <a:ea typeface="+mn-ea"/>
-          <a:cs typeface="+mn-cs"/>
-        </a:defRPr>
-      </a:lvl5pPr>
-      <a:lvl6pPr marL="2514600" indent="-228600" algn="l" defTabSz="914400" rtl="0" eaLnBrk="1" latinLnBrk="0" hangingPunct="1">
-        <a:lnSpc>
-          <a:spcPct val="90000"/>
-        </a:lnSpc>
-        <a:spcBef>
-          <a:spcPts val="500"/>
-        </a:spcBef>
-        <a:buFont typeface="Arial" panose="020B0604020202020204" pitchFamily="34" charset="0"/>
-        <a:buChar char="•"/>
-        <a:defRPr sz="1800" kern="1200">
-          <a:solidFill>
-            <a:schemeClr val="tx1"/>
-          </a:solidFill>
-          <a:latin typeface="+mn-lt"/>
-          <a:ea typeface="+mn-ea"/>
-          <a:cs typeface="+mn-cs"/>
-        </a:defRPr>
-      </a:lvl6pPr>
-      <a:lvl7pPr marL="2971800" indent="-228600" algn="l" defTabSz="914400" rtl="0" eaLnBrk="1" latinLnBrk="0" hangingPunct="1">
-        <a:lnSpc>
-          <a:spcPct val="90000"/>
-        </a:lnSpc>
-        <a:spcBef>
-          <a:spcPts val="500"/>
-        </a:spcBef>
-        <a:buFont typeface="Arial" panose="020B0604020202020204" pitchFamily="34" charset="0"/>
-        <a:buChar char="•"/>
-        <a:defRPr sz="1800" kern="1200">
-          <a:solidFill>
-            <a:schemeClr val="tx1"/>
-          </a:solidFill>
-          <a:latin typeface="+mn-lt"/>
-          <a:ea typeface="+mn-ea"/>
-          <a:cs typeface="+mn-cs"/>
-        </a:defRPr>
-      </a:lvl7pPr>
-      <a:lvl8pPr marL="3429000" indent="-228600" algn="l" defTabSz="914400" rtl="0" eaLnBrk="1" latinLnBrk="0" hangingPunct="1">
-        <a:lnSpc>
-          <a:spcPct val="90000"/>
-        </a:lnSpc>
-        <a:spcBef>
-          <a:spcPts val="500"/>
-        </a:spcBef>
-        <a:buFont typeface="Arial" panose="020B0604020202020204" pitchFamily="34" charset="0"/>
-        <a:buChar char="•"/>
-        <a:defRPr sz="1800" kern="1200">
-          <a:solidFill>
-            <a:schemeClr val="tx1"/>
-          </a:solidFill>
-          <a:latin typeface="+mn-lt"/>
-          <a:ea typeface="+mn-ea"/>
-          <a:cs typeface="+mn-cs"/>
-        </a:defRPr>
-      </a:lvl8pPr>
-      <a:lvl9pPr marL="3886200" indent="-228600" algn="l" defTabSz="914400" rtl="0" eaLnBrk="1" latinLnBrk="0" hangingPunct="1">
-        <a:lnSpc>
-          <a:spcPct val="90000"/>
-        </a:lnSpc>
-        <a:spcBef>
-          <a:spcPts val="500"/>
-        </a:spcBef>
-        <a:buFont typeface="Arial" panose="020B0604020202020204" pitchFamily="34" charset="0"/>
-        <a:buChar char="•"/>
-        <a:defRPr sz="1800" kern="1200">
-          <a:solidFill>
-            <a:schemeClr val="tx1"/>
-          </a:solidFill>
-          <a:latin typeface="+mn-lt"/>
-          <a:ea typeface="+mn-ea"/>
-          <a:cs typeface="+mn-cs"/>
-        </a:defRPr>
-      </a:lvl9pPr>
-    </p:bodyStyle>
-    <p:otherStyle>
-      <a:defPPr>
-        <a:defRPr lang="en-US"/>
-      </a:defPPr>
-      <a:lvl1pPr marL="0" algn="l" defTabSz="914400" rtl="0" eaLnBrk="1" latinLnBrk="0" hangingPunct="1">
-        <a:defRPr sz="1800" kern="1200">
-          <a:solidFill>
-            <a:schemeClr val="tx1"/>
-          </a:solidFill>
-          <a:latin typeface="+mn-lt"/>
-          <a:ea typeface="+mn-ea"/>
-          <a:cs typeface="+mn-cs"/>
-        </a:defRPr>
-      </a:lvl1pPr>
-      <a:lvl2pPr marL="457200" algn="l" defTabSz="914400" rtl="0" eaLnBrk="1" latinLnBrk="0" hangingPunct="1">
-        <a:defRPr sz="1800" kern="1200">
-          <a:solidFill>
-            <a:schemeClr val="tx1"/>
-          </a:solidFill>
-          <a:latin typeface="+mn-lt"/>
-          <a:ea typeface="+mn-ea"/>
-          <a:cs typeface="+mn-cs"/>
-        </a:defRPr>
-      </a:lvl2pPr>
-      <a:lvl3pPr marL="914400" algn="l" defTabSz="914400" rtl="0" eaLnBrk="1" latinLnBrk="0" hangingPunct="1">
-        <a:defRPr sz="1800" kern="1200">
-          <a:solidFill>
-            <a:schemeClr val="tx1"/>
-          </a:solidFill>
-          <a:latin typeface="+mn-lt"/>
-          <a:ea typeface="+mn-ea"/>
-          <a:cs typeface="+mn-cs"/>
-        </a:defRPr>
-      </a:lvl3pPr>
-      <a:lvl4pPr marL="1371600" algn="l" defTabSz="914400" rtl="0" eaLnBrk="1" latinLnBrk="0" hangingPunct="1">
-        <a:defRPr sz="1800" kern="1200">
-          <a:solidFill>
-            <a:schemeClr val="tx1"/>
-          </a:solidFill>
-          <a:latin typeface="+mn-lt"/>
-          <a:ea typeface="+mn-ea"/>
-          <a:cs typeface="+mn-cs"/>
-        </a:defRPr>
-      </a:lvl4pPr>
-      <a:lvl5pPr marL="1828800" algn="l" defTabSz="914400" rtl="0" eaLnBrk="1" latinLnBrk="0" hangingPunct="1">
-        <a:defRPr sz="1800" kern="1200">
-          <a:solidFill>
-            <a:schemeClr val="tx1"/>
-          </a:solidFill>
-          <a:latin typeface="+mn-lt"/>
-          <a:ea typeface="+mn-ea"/>
-          <a:cs typeface="+mn-cs"/>
-        </a:defRPr>
-      </a:lvl5pPr>
-      <a:lvl6pPr marL="2286000" algn="l" defTabSz="914400" rtl="0" eaLnBrk="1" latinLnBrk="0" hangingPunct="1">
-        <a:defRPr sz="1800" kern="1200">
-          <a:solidFill>
-            <a:schemeClr val="tx1"/>
-          </a:solidFill>
-          <a:latin typeface="+mn-lt"/>
-          <a:ea typeface="+mn-ea"/>
-          <a:cs typeface="+mn-cs"/>
-        </a:defRPr>
-      </a:lvl6pPr>
-      <a:lvl7pPr marL="2743200" algn="l" defTabSz="914400" rtl="0" eaLnBrk="1" latinLnBrk="0" hangingPunct="1">
-        <a:defRPr sz="1800" kern="1200">
-          <a:solidFill>
-            <a:schemeClr val="tx1"/>
-          </a:solidFill>
-          <a:latin typeface="+mn-lt"/>
-          <a:ea typeface="+mn-ea"/>
-          <a:cs typeface="+mn-cs"/>
-        </a:defRPr>
-      </a:lvl7pPr>
-      <a:lvl8pPr marL="3200400" algn="l" defTabSz="914400" rtl="0" eaLnBrk="1" latinLnBrk="0" hangingPunct="1">
-        <a:defRPr sz="1800" kern="1200">
-          <a:solidFill>
-            <a:schemeClr val="tx1"/>
-          </a:solidFill>
-          <a:latin typeface="+mn-lt"/>
-          <a:ea typeface="+mn-ea"/>
-          <a:cs typeface="+mn-cs"/>
-        </a:defRPr>
-      </a:lvl8pPr>
-      <a:lvl9pPr marL="3657600" algn="l" defTabSz="914400" rtl="0" eaLnBrk="1" latinLnBrk="0" hangingPunct="1">
-        <a:defRPr sz="1800" kern="1200">
-          <a:solidFill>
-            <a:schemeClr val="tx1"/>
-          </a:solidFill>
-          <a:latin typeface="+mn-lt"/>
-          <a:ea typeface="+mn-ea"/>
-          <a:cs typeface="+mn-cs"/>
-        </a:defRPr>
-      </a:lvl9pPr>
-    </p:otherStyle>
-  </p:txStyles>
-</p:sldMaster>
-</file>
-
 <file path=ppt/slides/slide1.xml><?xml version="1.0" encoding="utf-8"?>
 <p:sld xmlns:a="http://schemas.openxmlformats.org/drawingml/2006/main" xmlns:r="http://schemas.openxmlformats.org/officeDocument/2006/relationships" xmlns:p="http://schemas.openxmlformats.org/presentationml/2006/main">
   <p:cSld>
@@ -6888,9 +4065,31 @@
               <a:rPr lang="en-US" sz="7300" dirty="0" smtClean="0"/>
               <a:t>Stoney Jackson</a:t>
             </a:r>
-            <a:endParaRPr lang="en-US" sz="7300" dirty="0" smtClean="0"/>
-          </a:p>
-          <a:p>
+          </a:p>
+          <a:p>
+            <a:endParaRPr lang="en-US" dirty="0"/>
+          </a:p>
+        </p:txBody>
+      </p:sp>
+      <p:sp>
+        <p:nvSpPr>
+          <p:cNvPr id="4" name="Footer Placeholder 3"/>
+          <p:cNvSpPr>
+            <a:spLocks noGrp="1"/>
+          </p:cNvSpPr>
+          <p:nvPr>
+            <p:ph type="ftr" sz="quarter" idx="11"/>
+          </p:nvPr>
+        </p:nvSpPr>
+        <p:spPr/>
+        <p:txBody>
+          <a:bodyPr/>
+          <a:lstStyle/>
+          <a:p>
+            <a:r>
+              <a:rPr lang="en-US" dirty="0" smtClean="0"/>
+              <a:t>https://github.com/StoneyJackson/git-ccscne-2016</a:t>
+            </a:r>
             <a:endParaRPr lang="en-US" dirty="0"/>
           </a:p>
         </p:txBody>
@@ -6984,28 +4183,17 @@
             <a:pPr lvl="1"/>
             <a:r>
               <a:rPr lang="en-US" sz="1800" dirty="0"/>
-              <a:t>This material is based on work supported by the National Science Foundation under Grants </a:t>
+              <a:t>This material is based on work supported by the National Science Foundation under Grant Nos. DUE-1225708, DUE-1225738, DUE-1225688, </a:t>
+            </a:r>
+            <a:r>
+              <a:rPr lang="en-US" sz="1800" dirty="0" smtClean="0"/>
+              <a:t>DUE-1525039, </a:t>
             </a:r>
             <a:r>
               <a:rPr lang="en-US" sz="1800" dirty="0"/>
-              <a:t>DUE- </a:t>
-            </a:r>
-            <a:r>
-              <a:rPr lang="en-US" sz="1800" dirty="0"/>
-              <a:t>1225738, </a:t>
-            </a:r>
-            <a:r>
-              <a:rPr lang="en-US" sz="1800" dirty="0"/>
-              <a:t>1225688, and </a:t>
-            </a:r>
-            <a:r>
-              <a:rPr lang="en-US" sz="1800" dirty="0"/>
-              <a:t>1225708. Any opinions, findings and conclusions or recommendations expressed in this material are those of the author(s) and do not necessarily reflect the views of the National Science Foundation (NSF</a:t>
-            </a:r>
-            <a:r>
-              <a:rPr lang="en-US" sz="1800" dirty="0"/>
-              <a:t>)</a:t>
-            </a:r>
+              <a:t>DUE-1524898, and DUE-1524877. Any opinions, findings and conclusions or recommendations expressed in this material are those of the author(s) and do not necessarily reflect the views of the National Science Foundation (NSF).</a:t>
+            </a:r>
+            <a:endParaRPr lang="en-US" sz="1800" dirty="0" smtClean="0"/>
           </a:p>
           <a:p>
             <a:r>
@@ -7069,7 +4257,7 @@
         </p:blipFill>
         <p:spPr bwMode="auto">
           <a:xfrm>
-            <a:off x="5209440" y="4624977"/>
+            <a:off x="676274" y="4624977"/>
             <a:ext cx="1476375" cy="1476375"/>
           </a:xfrm>
           <a:prstGeom prst="rect">
@@ -7101,7 +4289,7 @@
         </p:blipFill>
         <p:spPr bwMode="auto">
           <a:xfrm>
-            <a:off x="8114656" y="4999908"/>
+            <a:off x="7745470" y="5408464"/>
             <a:ext cx="3315342" cy="726514"/>
           </a:xfrm>
           <a:prstGeom prst="rect">
@@ -7133,7 +4321,7 @@
         </p:blipFill>
         <p:spPr>
           <a:xfrm>
-            <a:off x="676274" y="4706593"/>
+            <a:off x="2521833" y="4821837"/>
             <a:ext cx="3104325" cy="1313141"/>
           </a:xfrm>
           <a:prstGeom prst="rect">
@@ -7171,6 +4359,70 @@
           </a:prstGeom>
         </p:spPr>
       </p:pic>
+      <p:pic>
+        <p:nvPicPr>
+          <p:cNvPr id="1026" name="Picture 2" descr="http://www.muhlenberg.edu/media/kdmedia/images/header-logo.png"/>
+          <p:cNvPicPr>
+            <a:picLocks noChangeAspect="1" noChangeArrowheads="1"/>
+          </p:cNvPicPr>
+          <p:nvPr/>
+        </p:nvPicPr>
+        <p:blipFill>
+          <a:blip r:embed="rId8">
+            <a:extLst>
+              <a:ext uri="{28A0092B-C50C-407E-A947-70E740481C1C}">
+                <a14:useLocalDpi xmlns:a14="http://schemas.microsoft.com/office/drawing/2010/main" val="0"/>
+              </a:ext>
+            </a:extLst>
+          </a:blip>
+          <a:srcRect/>
+          <a:stretch>
+            <a:fillRect/>
+          </a:stretch>
+        </p:blipFill>
+        <p:spPr bwMode="auto">
+          <a:xfrm>
+            <a:off x="5769691" y="4442976"/>
+            <a:ext cx="4238625" cy="828676"/>
+          </a:xfrm>
+          <a:prstGeom prst="rect">
+            <a:avLst/>
+          </a:prstGeom>
+          <a:noFill/>
+          <a:extLst>
+            <a:ext uri="{909E8E84-426E-40DD-AFC4-6F175D3DCCD1}">
+              <a14:hiddenFill xmlns:a14="http://schemas.microsoft.com/office/drawing/2010/main">
+                <a:solidFill>
+                  <a:srgbClr val="FFFFFF"/>
+                </a:solidFill>
+              </a14:hiddenFill>
+            </a:ext>
+          </a:extLst>
+        </p:spPr>
+      </p:pic>
+      <p:sp>
+        <p:nvSpPr>
+          <p:cNvPr id="4" name="Footer Placeholder 3"/>
+          <p:cNvSpPr>
+            <a:spLocks noGrp="1"/>
+          </p:cNvSpPr>
+          <p:nvPr>
+            <p:ph type="ftr" sz="quarter" idx="11"/>
+          </p:nvPr>
+        </p:nvSpPr>
+        <p:spPr/>
+        <p:txBody>
+          <a:bodyPr/>
+          <a:lstStyle/>
+          <a:p>
+            <a:r>
+              <a:rPr lang="en-US" smtClean="0"/>
+              <a:t>https://github.com/StoneyJackson/git-ccscne-2016</a:t>
+            </a:r>
+            <a:endParaRPr lang="en-US"/>
+          </a:p>
+        </p:txBody>
+      </p:sp>
     </p:spTree>
     <p:extLst>
       <p:ext uri="{BB962C8B-B14F-4D97-AF65-F5344CB8AC3E}">
@@ -7218,7 +4470,12 @@
             <p:ph type="title"/>
           </p:nvPr>
         </p:nvSpPr>
-        <p:spPr/>
+        <p:spPr>
+          <a:xfrm>
+            <a:off x="584824" y="735057"/>
+            <a:ext cx="10515600" cy="1325563"/>
+          </a:xfrm>
+        </p:spPr>
         <p:txBody>
           <a:bodyPr/>
           <a:lstStyle/>
@@ -7229,7 +4486,11 @@
             </a:r>
             <a:r>
               <a:rPr lang="en-US" dirty="0" err="1" smtClean="0"/>
-              <a:t>git</a:t>
+              <a:t>G</a:t>
+            </a:r>
+            <a:r>
+              <a:rPr lang="en-US" dirty="0" err="1" smtClean="0"/>
+              <a:t>it</a:t>
             </a:r>
             <a:r>
               <a:rPr lang="en-US" dirty="0" smtClean="0"/>
@@ -7257,7 +4518,7 @@
         </p:blipFill>
         <p:spPr>
           <a:xfrm>
-            <a:off x="584824" y="1609859"/>
+            <a:off x="584824" y="2163650"/>
             <a:ext cx="9022815" cy="3303072"/>
           </a:xfrm>
           <a:prstGeom prst="rect">
@@ -7265,6 +4526,29 @@
           </a:prstGeom>
         </p:spPr>
       </p:pic>
+      <p:sp>
+        <p:nvSpPr>
+          <p:cNvPr id="3" name="Footer Placeholder 2"/>
+          <p:cNvSpPr>
+            <a:spLocks noGrp="1"/>
+          </p:cNvSpPr>
+          <p:nvPr>
+            <p:ph type="ftr" sz="quarter" idx="11"/>
+          </p:nvPr>
+        </p:nvSpPr>
+        <p:spPr/>
+        <p:txBody>
+          <a:bodyPr/>
+          <a:lstStyle/>
+          <a:p>
+            <a:r>
+              <a:rPr lang="en-US" smtClean="0"/>
+              <a:t>https://github.com/StoneyJackson/git-ccscne-2016</a:t>
+            </a:r>
+            <a:endParaRPr lang="en-US"/>
+          </a:p>
+        </p:txBody>
+      </p:sp>
     </p:spTree>
     <p:extLst>
       <p:ext uri="{BB962C8B-B14F-4D97-AF65-F5344CB8AC3E}">
@@ -7312,7 +4596,12 @@
             <p:ph type="title"/>
           </p:nvPr>
         </p:nvSpPr>
-        <p:spPr/>
+        <p:spPr>
+          <a:xfrm>
+            <a:off x="838200" y="641730"/>
+            <a:ext cx="10515600" cy="1325563"/>
+          </a:xfrm>
+        </p:spPr>
         <p:txBody>
           <a:bodyPr/>
           <a:lstStyle/>
@@ -7322,8 +4611,12 @@
               <a:t>What is </a:t>
             </a:r>
             <a:r>
+              <a:rPr lang="en-US" dirty="0" err="1"/>
+              <a:t>G</a:t>
+            </a:r>
+            <a:r>
               <a:rPr lang="en-US" dirty="0" err="1" smtClean="0"/>
-              <a:t>git</a:t>
+              <a:t>it</a:t>
             </a:r>
             <a:r>
               <a:rPr lang="en-US" dirty="0" smtClean="0"/>
@@ -7343,7 +4636,12 @@
             <p:ph idx="1"/>
           </p:nvPr>
         </p:nvSpPr>
-        <p:spPr/>
+        <p:spPr>
+          <a:xfrm>
+            <a:off x="838200" y="1967293"/>
+            <a:ext cx="10515600" cy="4351338"/>
+          </a:xfrm>
+        </p:spPr>
         <p:txBody>
           <a:bodyPr>
             <a:normAutofit/>
@@ -7371,6 +4669,29 @@
               <a:t>You can also revert back to the previous state of a file</a:t>
             </a:r>
             <a:endParaRPr lang="en-US" sz="3600" dirty="0"/>
+          </a:p>
+        </p:txBody>
+      </p:sp>
+      <p:sp>
+        <p:nvSpPr>
+          <p:cNvPr id="4" name="Footer Placeholder 3"/>
+          <p:cNvSpPr>
+            <a:spLocks noGrp="1"/>
+          </p:cNvSpPr>
+          <p:nvPr>
+            <p:ph type="ftr" sz="quarter" idx="11"/>
+          </p:nvPr>
+        </p:nvSpPr>
+        <p:spPr/>
+        <p:txBody>
+          <a:bodyPr/>
+          <a:lstStyle/>
+          <a:p>
+            <a:r>
+              <a:rPr lang="en-US" smtClean="0"/>
+              <a:t>https://github.com/StoneyJackson/git-ccscne-2016</a:t>
+            </a:r>
+            <a:endParaRPr lang="en-US"/>
           </a:p>
         </p:txBody>
       </p:sp>
@@ -7391,6 +4712,140 @@
       </p:par>
     </p:tnLst>
   </p:timing>
+</p:sld>
+</file>
+
+<file path=ppt/slides/slide5.xml><?xml version="1.0" encoding="utf-8"?>
+<p:sld xmlns:a="http://schemas.openxmlformats.org/drawingml/2006/main" xmlns:r="http://schemas.openxmlformats.org/officeDocument/2006/relationships" xmlns:p="http://schemas.openxmlformats.org/presentationml/2006/main">
+  <p:cSld>
+    <p:spTree>
+      <p:nvGrpSpPr>
+        <p:cNvPr id="1" name=""/>
+        <p:cNvGrpSpPr/>
+        <p:nvPr/>
+      </p:nvGrpSpPr>
+      <p:grpSpPr>
+        <a:xfrm>
+          <a:off x="0" y="0"/>
+          <a:ext cx="0" cy="0"/>
+          <a:chOff x="0" y="0"/>
+          <a:chExt cx="0" cy="0"/>
+        </a:xfrm>
+      </p:grpSpPr>
+      <p:sp>
+        <p:nvSpPr>
+          <p:cNvPr id="2" name="Title 1"/>
+          <p:cNvSpPr>
+            <a:spLocks noGrp="1"/>
+          </p:cNvSpPr>
+          <p:nvPr>
+            <p:ph type="title"/>
+          </p:nvPr>
+        </p:nvSpPr>
+        <p:spPr/>
+        <p:txBody>
+          <a:bodyPr/>
+          <a:lstStyle/>
+          <a:p>
+            <a:r>
+              <a:rPr lang="en-US" dirty="0" smtClean="0"/>
+              <a:t>Resources</a:t>
+            </a:r>
+            <a:endParaRPr lang="en-US" dirty="0"/>
+          </a:p>
+        </p:txBody>
+      </p:sp>
+      <p:sp>
+        <p:nvSpPr>
+          <p:cNvPr id="3" name="Content Placeholder 2"/>
+          <p:cNvSpPr>
+            <a:spLocks noGrp="1"/>
+          </p:cNvSpPr>
+          <p:nvPr>
+            <p:ph idx="1"/>
+          </p:nvPr>
+        </p:nvSpPr>
+        <p:spPr/>
+        <p:txBody>
+          <a:bodyPr/>
+          <a:lstStyle/>
+          <a:p>
+            <a:r>
+              <a:rPr lang="en-US" dirty="0" smtClean="0">
+                <a:hlinkClick r:id="rId2"/>
+              </a:rPr>
+              <a:t>http</a:t>
+            </a:r>
+            <a:r>
+              <a:rPr lang="en-US" dirty="0">
+                <a:hlinkClick r:id="rId2"/>
+              </a:rPr>
+              <a:t>://</a:t>
+            </a:r>
+            <a:r>
+              <a:rPr lang="en-US" dirty="0" smtClean="0">
+                <a:hlinkClick r:id="rId2"/>
+              </a:rPr>
+              <a:t>foss2serve.org</a:t>
+            </a:r>
+            <a:endParaRPr lang="en-US" dirty="0" smtClean="0"/>
+          </a:p>
+          <a:p>
+            <a:pPr marL="0" indent="0">
+              <a:buNone/>
+            </a:pPr>
+            <a:endParaRPr lang="en-US" dirty="0" smtClean="0"/>
+          </a:p>
+          <a:p>
+            <a:r>
+              <a:rPr lang="en-US" dirty="0"/>
+              <a:t>https://github.com/StoneyJackson/git-ccscne-2016</a:t>
+            </a:r>
+          </a:p>
+          <a:p>
+            <a:pPr marL="0" indent="0">
+              <a:buNone/>
+            </a:pPr>
+            <a:endParaRPr lang="en-US" dirty="0" smtClean="0"/>
+          </a:p>
+          <a:p>
+            <a:endParaRPr lang="en-US" dirty="0"/>
+          </a:p>
+        </p:txBody>
+      </p:sp>
+      <p:sp>
+        <p:nvSpPr>
+          <p:cNvPr id="4" name="Footer Placeholder 3"/>
+          <p:cNvSpPr>
+            <a:spLocks noGrp="1"/>
+          </p:cNvSpPr>
+          <p:nvPr>
+            <p:ph type="ftr" sz="quarter" idx="11"/>
+          </p:nvPr>
+        </p:nvSpPr>
+        <p:spPr/>
+        <p:txBody>
+          <a:bodyPr/>
+          <a:lstStyle/>
+          <a:p>
+            <a:r>
+              <a:rPr lang="en-US" smtClean="0"/>
+              <a:t>https://github.com/StoneyJackson/git-ccscne-2016</a:t>
+            </a:r>
+            <a:endParaRPr lang="en-US"/>
+          </a:p>
+        </p:txBody>
+      </p:sp>
+    </p:spTree>
+    <p:extLst>
+      <p:ext uri="{BB962C8B-B14F-4D97-AF65-F5344CB8AC3E}">
+        <p14:creationId xmlns:p14="http://schemas.microsoft.com/office/powerpoint/2010/main" val="2444244580"/>
+      </p:ext>
+    </p:extLst>
+  </p:cSld>
+  <p:clrMapOvr>
+    <a:masterClrMapping/>
+  </p:clrMapOvr>
 </p:sld>
 </file>
 
@@ -7906,265 +5361,4 @@
     </a:ext>
   </a:extLst>
 </a:theme>
-</file>
-
-<file path=ppt/theme/theme3.xml><?xml version="1.0" encoding="utf-8"?>
-<a:theme xmlns:a="http://schemas.openxmlformats.org/drawingml/2006/main" name="Office Theme">
-  <a:themeElements>
-    <a:clrScheme name="Office">
-      <a:dk1>
-        <a:sysClr val="windowText" lastClr="000000"/>
-      </a:dk1>
-      <a:lt1>
-        <a:sysClr val="window" lastClr="FFFFFF"/>
-      </a:lt1>
-      <a:dk2>
-        <a:srgbClr val="44546A"/>
-      </a:dk2>
-      <a:lt2>
-        <a:srgbClr val="E7E6E6"/>
-      </a:lt2>
-      <a:accent1>
-        <a:srgbClr val="5B9BD5"/>
-      </a:accent1>
-      <a:accent2>
-        <a:srgbClr val="ED7D31"/>
-      </a:accent2>
-      <a:accent3>
-        <a:srgbClr val="A5A5A5"/>
-      </a:accent3>
-      <a:accent4>
-        <a:srgbClr val="FFC000"/>
-      </a:accent4>
-      <a:accent5>
-        <a:srgbClr val="4472C4"/>
-      </a:accent5>
-      <a:accent6>
-        <a:srgbClr val="70AD47"/>
-      </a:accent6>
-      <a:hlink>
-        <a:srgbClr val="0563C1"/>
-      </a:hlink>
-      <a:folHlink>
-        <a:srgbClr val="954F72"/>
-      </a:folHlink>
-    </a:clrScheme>
-    <a:fontScheme name="Office">
-      <a:majorFont>
-        <a:latin typeface="Calibri Light" panose="020F0302020204030204"/>
-        <a:ea typeface=""/>
-        <a:cs typeface=""/>
-        <a:font script="Jpan" typeface="ＭＳ Ｐゴシック"/>
-        <a:font script="Hang" typeface="맑은 고딕"/>
-        <a:font script="Hans" typeface="宋体"/>
-        <a:font script="Hant" typeface="新細明體"/>
-        <a:font script="Arab" typeface="Times New Roman"/>
-        <a:font script="Hebr" typeface="Times New Roman"/>
-        <a:font script="Thai" typeface="Angsana New"/>
-        <a:font script="Ethi" typeface="Nyala"/>
-        <a:font script="Beng" typeface="Vrinda"/>
-        <a:font script="Gujr" typeface="Shruti"/>
-        <a:font script="Khmr" typeface="MoolBoran"/>
-        <a:font script="Knda" typeface="Tunga"/>
-        <a:font script="Guru" typeface="Raavi"/>
-        <a:font script="Cans" typeface="Euphemia"/>
-        <a:font script="Cher" typeface="Plantagenet Cherokee"/>
-        <a:font script="Yiii" typeface="Microsoft Yi Baiti"/>
-        <a:font script="Tibt" typeface="Microsoft Himalaya"/>
-        <a:font script="Thaa" typeface="MV Boli"/>
-        <a:font script="Deva" typeface="Mangal"/>
-        <a:font script="Telu" typeface="Gautami"/>
-        <a:font script="Taml" typeface="Latha"/>
-        <a:font script="Syrc" typeface="Estrangelo Edessa"/>
-        <a:font script="Orya" typeface="Kalinga"/>
-        <a:font script="Mlym" typeface="Kartika"/>
-        <a:font script="Laoo" typeface="DokChampa"/>
-        <a:font script="Sinh" typeface="Iskoola Pota"/>
-        <a:font script="Mong" typeface="Mongolian Baiti"/>
-        <a:font script="Viet" typeface="Times New Roman"/>
-        <a:font script="Uigh" typeface="Microsoft Uighur"/>
-        <a:font script="Geor" typeface="Sylfaen"/>
-      </a:majorFont>
-      <a:minorFont>
-        <a:latin typeface="Calibri" panose="020F0502020204030204"/>
-        <a:ea typeface=""/>
-        <a:cs typeface=""/>
-        <a:font script="Jpan" typeface="ＭＳ Ｐゴシック"/>
-        <a:font script="Hang" typeface="맑은 고딕"/>
-        <a:font script="Hans" typeface="宋体"/>
-        <a:font script="Hant" typeface="新細明體"/>
-        <a:font script="Arab" typeface="Arial"/>
-        <a:font script="Hebr" typeface="Arial"/>
-        <a:font script="Thai" typeface="Cordia New"/>
-        <a:font script="Ethi" typeface="Nyala"/>
-        <a:font script="Beng" typeface="Vrinda"/>
-        <a:font script="Gujr" typeface="Shruti"/>
-        <a:font script="Khmr" typeface="DaunPenh"/>
-        <a:font script="Knda" typeface="Tunga"/>
-        <a:font script="Guru" typeface="Raavi"/>
-        <a:font script="Cans" typeface="Euphemia"/>
-        <a:font script="Cher" typeface="Plantagenet Cherokee"/>
-        <a:font script="Yiii" typeface="Microsoft Yi Baiti"/>
-        <a:font script="Tibt" typeface="Microsoft Himalaya"/>
-        <a:font script="Thaa" typeface="MV Boli"/>
-        <a:font script="Deva" typeface="Mangal"/>
-        <a:font script="Telu" typeface="Gautami"/>
-        <a:font script="Taml" typeface="Latha"/>
-        <a:font script="Syrc" typeface="Estrangelo Edessa"/>
-        <a:font script="Orya" typeface="Kalinga"/>
-        <a:font script="Mlym" typeface="Kartika"/>
-        <a:font script="Laoo" typeface="DokChampa"/>
-        <a:font script="Sinh" typeface="Iskoola Pota"/>
-        <a:font script="Mong" typeface="Mongolian Baiti"/>
-        <a:font script="Viet" typeface="Arial"/>
-        <a:font script="Uigh" typeface="Microsoft Uighur"/>
-        <a:font script="Geor" typeface="Sylfaen"/>
-      </a:minorFont>
-    </a:fontScheme>
-    <a:fmtScheme name="Office">
-      <a:fillStyleLst>
-        <a:solidFill>
-          <a:schemeClr val="phClr"/>
-        </a:solidFill>
-        <a:gradFill rotWithShape="1">
-          <a:gsLst>
-            <a:gs pos="0">
-              <a:schemeClr val="phClr">
-                <a:lumMod val="110000"/>
-                <a:satMod val="105000"/>
-                <a:tint val="67000"/>
-              </a:schemeClr>
-            </a:gs>
-            <a:gs pos="50000">
-              <a:schemeClr val="phClr">
-                <a:lumMod val="105000"/>
-                <a:satMod val="103000"/>
-                <a:tint val="73000"/>
-              </a:schemeClr>
-            </a:gs>
-            <a:gs pos="100000">
-              <a:schemeClr val="phClr">
-                <a:lumMod val="105000"/>
-                <a:satMod val="109000"/>
-                <a:tint val="81000"/>
-              </a:schemeClr>
-            </a:gs>
-          </a:gsLst>
-          <a:lin ang="5400000" scaled="0"/>
-        </a:gradFill>
-        <a:gradFill rotWithShape="1">
-          <a:gsLst>
-            <a:gs pos="0">
-              <a:schemeClr val="phClr">
-                <a:satMod val="103000"/>
-                <a:lumMod val="102000"/>
-                <a:tint val="94000"/>
-              </a:schemeClr>
-            </a:gs>
-            <a:gs pos="50000">
-              <a:schemeClr val="phClr">
-                <a:satMod val="110000"/>
-                <a:lumMod val="100000"/>
-                <a:shade val="100000"/>
-              </a:schemeClr>
-            </a:gs>
-            <a:gs pos="100000">
-              <a:schemeClr val="phClr">
-                <a:lumMod val="99000"/>
-                <a:satMod val="120000"/>
-                <a:shade val="78000"/>
-              </a:schemeClr>
-            </a:gs>
-          </a:gsLst>
-          <a:lin ang="5400000" scaled="0"/>
-        </a:gradFill>
-      </a:fillStyleLst>
-      <a:lnStyleLst>
-        <a:ln w="6350" cap="flat" cmpd="sng" algn="ctr">
-          <a:solidFill>
-            <a:schemeClr val="phClr"/>
-          </a:solidFill>
-          <a:prstDash val="solid"/>
-          <a:miter lim="800000"/>
-        </a:ln>
-        <a:ln w="12700" cap="flat" cmpd="sng" algn="ctr">
-          <a:solidFill>
-            <a:schemeClr val="phClr"/>
-          </a:solidFill>
-          <a:prstDash val="solid"/>
-          <a:miter lim="800000"/>
-        </a:ln>
-        <a:ln w="19050" cap="flat" cmpd="sng" algn="ctr">
-          <a:solidFill>
-            <a:schemeClr val="phClr"/>
-          </a:solidFill>
-          <a:prstDash val="solid"/>
-          <a:miter lim="800000"/>
-        </a:ln>
-      </a:lnStyleLst>
-      <a:effectStyleLst>
-        <a:effectStyle>
-          <a:effectLst/>
-        </a:effectStyle>
-        <a:effectStyle>
-          <a:effectLst/>
-        </a:effectStyle>
-        <a:effectStyle>
-          <a:effectLst>
-            <a:outerShdw blurRad="57150" dist="19050" dir="5400000" algn="ctr" rotWithShape="0">
-              <a:srgbClr val="000000">
-                <a:alpha val="63000"/>
-              </a:srgbClr>
-            </a:outerShdw>
-          </a:effectLst>
-        </a:effectStyle>
-      </a:effectStyleLst>
-      <a:bgFillStyleLst>
-        <a:solidFill>
-          <a:schemeClr val="phClr"/>
-        </a:solidFill>
-        <a:solidFill>
-          <a:schemeClr val="phClr">
-            <a:tint val="95000"/>
-            <a:satMod val="170000"/>
-          </a:schemeClr>
-        </a:solidFill>
-        <a:gradFill rotWithShape="1">
-          <a:gsLst>
-            <a:gs pos="0">
-              <a:schemeClr val="phClr">
-                <a:tint val="93000"/>
-                <a:satMod val="150000"/>
-                <a:shade val="98000"/>
-                <a:lumMod val="102000"/>
-              </a:schemeClr>
-            </a:gs>
-            <a:gs pos="50000">
-              <a:schemeClr val="phClr">
-                <a:tint val="98000"/>
-                <a:satMod val="130000"/>
-                <a:shade val="90000"/>
-                <a:lumMod val="103000"/>
-              </a:schemeClr>
-            </a:gs>
-            <a:gs pos="100000">
-              <a:schemeClr val="phClr">
-                <a:shade val="63000"/>
-                <a:satMod val="120000"/>
-              </a:schemeClr>
-            </a:gs>
-          </a:gsLst>
-          <a:lin ang="5400000" scaled="0"/>
-        </a:gradFill>
-      </a:bgFillStyleLst>
-    </a:fmtScheme>
-  </a:themeElements>
-  <a:objectDefaults/>
-  <a:extraClrSchemeLst/>
-  <a:extLst>
-    <a:ext uri="{05A4C25C-085E-4340-85A3-A5531E510DB2}">
-      <thm15:themeFamily xmlns:thm15="http://schemas.microsoft.com/office/thememl/2012/main" name="Office Theme" id="{62F939B6-93AF-4DB8-9C6B-D6C7DFDC589F}" vid="{4A3C46E8-61CC-4603-A589-7422A47A8E4A}"/>
-    </a:ext>
-  </a:extLst>
-</a:theme>
 </file>